--- a/Source/INFINITY-Presentatie.pptx
+++ b/Source/INFINITY-Presentatie.pptx
@@ -112,6 +112,11 @@
       </a:defRPr>
     </a:lvl9pPr>
   </p:defaultTextStyle>
+  <p:extLst>
+    <p:ext uri="{EFAFB233-063F-42B5-8137-9DF3F51BA10A}">
+      <p15:sldGuideLst xmlns:p15="http://schemas.microsoft.com/office/powerpoint/2012/main"/>
+    </p:ext>
+  </p:extLst>
 </p:presentation>
 </file>
 
@@ -6484,14 +6489,43 @@
           <a:p>
             <a:r>
               <a:rPr lang="nl-NL" dirty="0"/>
+              <a:t>Naam </a:t>
+            </a:r>
+          </a:p>
+          <a:p>
+            <a:r>
+              <a:rPr lang="nl-NL" dirty="0"/>
+              <a:t>Kern</a:t>
+            </a:r>
+          </a:p>
+          <a:p>
+            <a:r>
+              <a:rPr lang="nl-NL" dirty="0"/>
+              <a:t>Sterke punten</a:t>
+            </a:r>
+          </a:p>
+          <a:p>
+            <a:r>
+              <a:rPr lang="nl-NL" dirty="0"/>
               <a:t>Doelgroepen</a:t>
             </a:r>
           </a:p>
           <a:p>
             <a:r>
               <a:rPr lang="nl-NL" dirty="0"/>
-              <a:t>Bedrijf</a:t>
-            </a:r>
+              <a:t>Wat bied </a:t>
+            </a:r>
+            <a:r>
+              <a:rPr lang="nl-NL" dirty="0" err="1"/>
+              <a:t>infinity</a:t>
+            </a:r>
+            <a:r>
+              <a:rPr lang="nl-NL" dirty="0"/>
+              <a:t>?</a:t>
+            </a:r>
+          </a:p>
+          <a:p>
+            <a:endParaRPr lang="nl-NL" dirty="0"/>
           </a:p>
         </p:txBody>
       </p:sp>

--- a/Source/INFINITY-Presentatie.pptx
+++ b/Source/INFINITY-Presentatie.pptx
@@ -9,10 +9,10 @@
     <p:sldId id="257" r:id="rId3"/>
     <p:sldId id="258" r:id="rId4"/>
     <p:sldId id="259" r:id="rId5"/>
-    <p:sldId id="260" r:id="rId6"/>
-    <p:sldId id="261" r:id="rId7"/>
-    <p:sldId id="262" r:id="rId8"/>
-    <p:sldId id="263" r:id="rId9"/>
+    <p:sldId id="261" r:id="rId6"/>
+    <p:sldId id="262" r:id="rId7"/>
+    <p:sldId id="263" r:id="rId8"/>
+    <p:sldId id="265" r:id="rId9"/>
     <p:sldId id="264" r:id="rId10"/>
   </p:sldIdLst>
   <p:sldSz cx="12192000" cy="6858000"/>
@@ -306,7 +306,7 @@
           <a:p>
             <a:fld id="{970FA978-05E1-4C34-B9DD-8B55B36E8A17}" type="datetimeFigureOut">
               <a:rPr lang="nl-NL" smtClean="0"/>
-              <a:t>22-1-2017</a:t>
+              <a:t>23-1-2017</a:t>
             </a:fld>
             <a:endParaRPr lang="nl-NL"/>
           </a:p>
@@ -581,7 +581,7 @@
           <a:p>
             <a:fld id="{970FA978-05E1-4C34-B9DD-8B55B36E8A17}" type="datetimeFigureOut">
               <a:rPr lang="nl-NL" smtClean="0"/>
-              <a:t>22-1-2017</a:t>
+              <a:t>23-1-2017</a:t>
             </a:fld>
             <a:endParaRPr lang="nl-NL"/>
           </a:p>
@@ -775,7 +775,7 @@
           <a:p>
             <a:fld id="{970FA978-05E1-4C34-B9DD-8B55B36E8A17}" type="datetimeFigureOut">
               <a:rPr lang="nl-NL" smtClean="0"/>
-              <a:t>22-1-2017</a:t>
+              <a:t>23-1-2017</a:t>
             </a:fld>
             <a:endParaRPr lang="nl-NL"/>
           </a:p>
@@ -1048,7 +1048,7 @@
           <a:p>
             <a:fld id="{970FA978-05E1-4C34-B9DD-8B55B36E8A17}" type="datetimeFigureOut">
               <a:rPr lang="nl-NL" smtClean="0"/>
-              <a:t>22-1-2017</a:t>
+              <a:t>23-1-2017</a:t>
             </a:fld>
             <a:endParaRPr lang="nl-NL"/>
           </a:p>
@@ -1389,7 +1389,7 @@
           <a:p>
             <a:fld id="{970FA978-05E1-4C34-B9DD-8B55B36E8A17}" type="datetimeFigureOut">
               <a:rPr lang="nl-NL" smtClean="0"/>
-              <a:t>22-1-2017</a:t>
+              <a:t>23-1-2017</a:t>
             </a:fld>
             <a:endParaRPr lang="nl-NL"/>
           </a:p>
@@ -2012,7 +2012,7 @@
           <a:p>
             <a:fld id="{970FA978-05E1-4C34-B9DD-8B55B36E8A17}" type="datetimeFigureOut">
               <a:rPr lang="nl-NL" smtClean="0"/>
-              <a:t>22-1-2017</a:t>
+              <a:t>23-1-2017</a:t>
             </a:fld>
             <a:endParaRPr lang="nl-NL"/>
           </a:p>
@@ -2872,7 +2872,7 @@
           <a:p>
             <a:fld id="{970FA978-05E1-4C34-B9DD-8B55B36E8A17}" type="datetimeFigureOut">
               <a:rPr lang="nl-NL" smtClean="0"/>
-              <a:t>22-1-2017</a:t>
+              <a:t>23-1-2017</a:t>
             </a:fld>
             <a:endParaRPr lang="nl-NL"/>
           </a:p>
@@ -3042,7 +3042,7 @@
           <a:p>
             <a:fld id="{970FA978-05E1-4C34-B9DD-8B55B36E8A17}" type="datetimeFigureOut">
               <a:rPr lang="nl-NL" smtClean="0"/>
-              <a:t>22-1-2017</a:t>
+              <a:t>23-1-2017</a:t>
             </a:fld>
             <a:endParaRPr lang="nl-NL"/>
           </a:p>
@@ -3222,7 +3222,7 @@
           <a:p>
             <a:fld id="{970FA978-05E1-4C34-B9DD-8B55B36E8A17}" type="datetimeFigureOut">
               <a:rPr lang="nl-NL" smtClean="0"/>
-              <a:t>22-1-2017</a:t>
+              <a:t>23-1-2017</a:t>
             </a:fld>
             <a:endParaRPr lang="nl-NL"/>
           </a:p>
@@ -3392,7 +3392,7 @@
           <a:p>
             <a:fld id="{970FA978-05E1-4C34-B9DD-8B55B36E8A17}" type="datetimeFigureOut">
               <a:rPr lang="nl-NL" smtClean="0"/>
-              <a:t>22-1-2017</a:t>
+              <a:t>23-1-2017</a:t>
             </a:fld>
             <a:endParaRPr lang="nl-NL"/>
           </a:p>
@@ -3639,7 +3639,7 @@
           <a:p>
             <a:fld id="{970FA978-05E1-4C34-B9DD-8B55B36E8A17}" type="datetimeFigureOut">
               <a:rPr lang="nl-NL" smtClean="0"/>
-              <a:t>22-1-2017</a:t>
+              <a:t>23-1-2017</a:t>
             </a:fld>
             <a:endParaRPr lang="nl-NL"/>
           </a:p>
@@ -3931,7 +3931,7 @@
           <a:p>
             <a:fld id="{970FA978-05E1-4C34-B9DD-8B55B36E8A17}" type="datetimeFigureOut">
               <a:rPr lang="nl-NL" smtClean="0"/>
-              <a:t>22-1-2017</a:t>
+              <a:t>23-1-2017</a:t>
             </a:fld>
             <a:endParaRPr lang="nl-NL"/>
           </a:p>
@@ -4375,7 +4375,7 @@
           <a:p>
             <a:fld id="{970FA978-05E1-4C34-B9DD-8B55B36E8A17}" type="datetimeFigureOut">
               <a:rPr lang="nl-NL" smtClean="0"/>
-              <a:t>22-1-2017</a:t>
+              <a:t>23-1-2017</a:t>
             </a:fld>
             <a:endParaRPr lang="nl-NL"/>
           </a:p>
@@ -4493,7 +4493,7 @@
           <a:p>
             <a:fld id="{970FA978-05E1-4C34-B9DD-8B55B36E8A17}" type="datetimeFigureOut">
               <a:rPr lang="nl-NL" smtClean="0"/>
-              <a:t>22-1-2017</a:t>
+              <a:t>23-1-2017</a:t>
             </a:fld>
             <a:endParaRPr lang="nl-NL"/>
           </a:p>
@@ -4588,7 +4588,7 @@
           <a:p>
             <a:fld id="{970FA978-05E1-4C34-B9DD-8B55B36E8A17}" type="datetimeFigureOut">
               <a:rPr lang="nl-NL" smtClean="0"/>
-              <a:t>22-1-2017</a:t>
+              <a:t>23-1-2017</a:t>
             </a:fld>
             <a:endParaRPr lang="nl-NL"/>
           </a:p>
@@ -4867,7 +4867,7 @@
           <a:p>
             <a:fld id="{970FA978-05E1-4C34-B9DD-8B55B36E8A17}" type="datetimeFigureOut">
               <a:rPr lang="nl-NL" smtClean="0"/>
-              <a:t>22-1-2017</a:t>
+              <a:t>23-1-2017</a:t>
             </a:fld>
             <a:endParaRPr lang="nl-NL"/>
           </a:p>
@@ -5142,7 +5142,7 @@
           <a:p>
             <a:fld id="{970FA978-05E1-4C34-B9DD-8B55B36E8A17}" type="datetimeFigureOut">
               <a:rPr lang="nl-NL" smtClean="0"/>
-              <a:t>22-1-2017</a:t>
+              <a:t>23-1-2017</a:t>
             </a:fld>
             <a:endParaRPr lang="nl-NL"/>
           </a:p>
@@ -5571,7 +5571,7 @@
           <a:p>
             <a:fld id="{970FA978-05E1-4C34-B9DD-8B55B36E8A17}" type="datetimeFigureOut">
               <a:rPr lang="nl-NL" smtClean="0"/>
-              <a:t>22-1-2017</a:t>
+              <a:t>23-1-2017</a:t>
             </a:fld>
             <a:endParaRPr lang="nl-NL"/>
           </a:p>
@@ -6364,6 +6364,152 @@
           <a:chExt cx="0" cy="0"/>
         </a:xfrm>
       </p:grpSpPr>
+      <p:pic>
+        <p:nvPicPr>
+          <p:cNvPr id="4" name="picture"/>
+          <p:cNvPicPr/>
+          <p:nvPr/>
+        </p:nvPicPr>
+        <p:blipFill rotWithShape="1">
+          <a:blip r:embed="rId2">
+            <a:extLst>
+              <a:ext uri="{28A0092B-C50C-407E-A947-70E740481C1C}">
+                <a14:useLocalDpi xmlns:a14="http://schemas.microsoft.com/office/drawing/2010/main" val="0"/>
+              </a:ext>
+            </a:extLst>
+          </a:blip>
+          <a:srcRect l="44758" r="9900"/>
+          <a:stretch/>
+        </p:blipFill>
+        <p:spPr>
+          <a:xfrm>
+            <a:off x="4613644" y="609368"/>
+            <a:ext cx="3409037" cy="5638797"/>
+          </a:xfrm>
+          <a:prstGeom prst="rect">
+            <a:avLst/>
+          </a:prstGeom>
+          <a:effectLst>
+            <a:outerShdw blurRad="50800" dist="38100" dir="5400000" algn="t" rotWithShape="0">
+              <a:prstClr val="black">
+                <a:alpha val="43000"/>
+              </a:prstClr>
+            </a:outerShdw>
+          </a:effectLst>
+        </p:spPr>
+      </p:pic>
+      <p:pic>
+        <p:nvPicPr>
+          <p:cNvPr id="6" name="picture"/>
+          <p:cNvPicPr/>
+          <p:nvPr/>
+        </p:nvPicPr>
+        <p:blipFill rotWithShape="1">
+          <a:blip r:embed="rId3">
+            <a:extLst>
+              <a:ext uri="{28A0092B-C50C-407E-A947-70E740481C1C}">
+                <a14:useLocalDpi xmlns:a14="http://schemas.microsoft.com/office/drawing/2010/main" val="0"/>
+              </a:ext>
+            </a:extLst>
+          </a:blip>
+          <a:srcRect l="22972" r="-2" b="-2"/>
+          <a:stretch/>
+        </p:blipFill>
+        <p:spPr>
+          <a:xfrm>
+            <a:off x="8135262" y="609602"/>
+            <a:ext cx="3409037" cy="2766058"/>
+          </a:xfrm>
+          <a:prstGeom prst="rect">
+            <a:avLst/>
+          </a:prstGeom>
+          <a:effectLst>
+            <a:outerShdw blurRad="50800" dist="38100" dir="5400000" algn="t" rotWithShape="0">
+              <a:prstClr val="black">
+                <a:alpha val="43000"/>
+              </a:prstClr>
+            </a:outerShdw>
+          </a:effectLst>
+        </p:spPr>
+      </p:pic>
+      <p:pic>
+        <p:nvPicPr>
+          <p:cNvPr id="5" name="picture"/>
+          <p:cNvPicPr/>
+          <p:nvPr/>
+        </p:nvPicPr>
+        <p:blipFill rotWithShape="1">
+          <a:blip r:embed="rId4">
+            <a:extLst>
+              <a:ext uri="{28A0092B-C50C-407E-A947-70E740481C1C}">
+                <a14:useLocalDpi xmlns:a14="http://schemas.microsoft.com/office/drawing/2010/main" val="0"/>
+              </a:ext>
+            </a:extLst>
+          </a:blip>
+          <a:srcRect l="11549" r="19128" b="3"/>
+          <a:stretch/>
+        </p:blipFill>
+        <p:spPr>
+          <a:xfrm>
+            <a:off x="8135262" y="3482340"/>
+            <a:ext cx="3409037" cy="2766058"/>
+          </a:xfrm>
+          <a:prstGeom prst="rect">
+            <a:avLst/>
+          </a:prstGeom>
+          <a:effectLst>
+            <a:outerShdw blurRad="50800" dist="38100" dir="5400000" algn="t" rotWithShape="0">
+              <a:prstClr val="black">
+                <a:alpha val="43000"/>
+              </a:prstClr>
+            </a:outerShdw>
+          </a:effectLst>
+        </p:spPr>
+      </p:pic>
+      <p:sp>
+        <p:nvSpPr>
+          <p:cNvPr id="8" name="Rectangle 7"/>
+          <p:cNvSpPr>
+            <a:spLocks noGrp="1" noRot="1" noChangeAspect="1" noMove="1" noResize="1" noEditPoints="1" noAdjustHandles="1" noChangeArrowheads="1" noChangeShapeType="1" noTextEdit="1"/>
+          </p:cNvSpPr>
+          <p:nvPr>
+            <p:extLst>
+              <p:ext uri="{386F3935-93C4-4BCD-93E2-E3B085C9AB24}">
+                <p16:designElem xmlns:p16="http://schemas.microsoft.com/office/powerpoint/2015/main" val="1"/>
+              </p:ext>
+            </p:extLst>
+          </p:nvPr>
+        </p:nvSpPr>
+        <p:spPr>
+          <a:xfrm>
+            <a:off x="10437812" y="0"/>
+            <a:ext cx="685800" cy="1143000"/>
+          </a:xfrm>
+          <a:prstGeom prst="rect">
+            <a:avLst/>
+          </a:prstGeom>
+          <a:solidFill>
+            <a:schemeClr val="accent1"/>
+          </a:solidFill>
+          <a:ln>
+            <a:noFill/>
+          </a:ln>
+        </p:spPr>
+        <p:style>
+          <a:lnRef idx="1">
+            <a:schemeClr val="accent1"/>
+          </a:lnRef>
+          <a:fillRef idx="3">
+            <a:schemeClr val="accent1"/>
+          </a:fillRef>
+          <a:effectRef idx="2">
+            <a:schemeClr val="accent1"/>
+          </a:effectRef>
+          <a:fontRef idx="minor">
+            <a:schemeClr val="lt1"/>
+          </a:fontRef>
+        </p:style>
+      </p:sp>
       <p:sp>
         <p:nvSpPr>
           <p:cNvPr id="2" name="Titel 1"/>
@@ -6374,9 +6520,16 @@
             <p:ph type="title"/>
           </p:nvPr>
         </p:nvSpPr>
-        <p:spPr/>
-        <p:txBody>
-          <a:bodyPr/>
+        <p:spPr>
+          <a:xfrm>
+            <a:off x="646111" y="609601"/>
+            <a:ext cx="3325731" cy="1675975"/>
+          </a:xfrm>
+        </p:spPr>
+        <p:txBody>
+          <a:bodyPr>
+            <a:normAutofit/>
+          </a:bodyPr>
           <a:lstStyle/>
           <a:p>
             <a:r>
@@ -6396,9 +6549,16 @@
             <p:ph idx="1"/>
           </p:nvPr>
         </p:nvSpPr>
-        <p:spPr/>
-        <p:txBody>
-          <a:bodyPr/>
+        <p:spPr>
+          <a:xfrm>
+            <a:off x="642176" y="2484544"/>
+            <a:ext cx="3329666" cy="3763855"/>
+          </a:xfrm>
+        </p:spPr>
+        <p:txBody>
+          <a:bodyPr>
+            <a:normAutofit/>
+          </a:bodyPr>
           <a:lstStyle/>
           <a:p>
             <a:r>
@@ -6501,12 +6661,6 @@
           <a:p>
             <a:r>
               <a:rPr lang="nl-NL" dirty="0"/>
-              <a:t>Sterke punten</a:t>
-            </a:r>
-          </a:p>
-          <a:p>
-            <a:r>
-              <a:rPr lang="nl-NL" dirty="0"/>
               <a:t>Doelgroepen</a:t>
             </a:r>
           </a:p>
@@ -6561,78 +6715,7 @@
       </p:grpSpPr>
       <p:sp>
         <p:nvSpPr>
-          <p:cNvPr id="2" name="Titel 1"/>
-          <p:cNvSpPr>
-            <a:spLocks noGrp="1"/>
-          </p:cNvSpPr>
-          <p:nvPr>
-            <p:ph type="title"/>
-          </p:nvPr>
-        </p:nvSpPr>
-        <p:spPr/>
-        <p:txBody>
-          <a:bodyPr/>
-          <a:lstStyle/>
-          <a:p>
-            <a:r>
-              <a:rPr lang="nl-NL" dirty="0"/>
-              <a:t>Omgeving</a:t>
-            </a:r>
-          </a:p>
-        </p:txBody>
-      </p:sp>
-      <p:sp>
-        <p:nvSpPr>
-          <p:cNvPr id="3" name="Tijdelijke aanduiding voor inhoud 2"/>
-          <p:cNvSpPr>
-            <a:spLocks noGrp="1"/>
-          </p:cNvSpPr>
-          <p:nvPr>
-            <p:ph idx="1"/>
-          </p:nvPr>
-        </p:nvSpPr>
-        <p:spPr/>
-        <p:txBody>
-          <a:bodyPr/>
-          <a:lstStyle/>
-          <a:p>
-            <a:endParaRPr lang="nl-NL" dirty="0"/>
-          </a:p>
-        </p:txBody>
-      </p:sp>
-    </p:spTree>
-    <p:extLst>
-      <p:ext uri="{BB962C8B-B14F-4D97-AF65-F5344CB8AC3E}">
-        <p14:creationId xmlns:p14="http://schemas.microsoft.com/office/powerpoint/2010/main" val="135947819"/>
-      </p:ext>
-    </p:extLst>
-  </p:cSld>
-  <p:clrMapOvr>
-    <a:masterClrMapping/>
-  </p:clrMapOvr>
-</p:sld>
-</file>
-
-<file path=ppt/slides/slide6.xml><?xml version="1.0" encoding="utf-8"?>
-<p:sld xmlns:a="http://schemas.openxmlformats.org/drawingml/2006/main" xmlns:r="http://schemas.openxmlformats.org/officeDocument/2006/relationships" xmlns:p="http://schemas.openxmlformats.org/presentationml/2006/main">
-  <p:cSld>
-    <p:spTree>
-      <p:nvGrpSpPr>
-        <p:cNvPr id="1" name=""/>
-        <p:cNvGrpSpPr/>
-        <p:nvPr/>
-      </p:nvGrpSpPr>
-      <p:grpSpPr>
-        <a:xfrm>
-          <a:off x="0" y="0"/>
-          <a:ext cx="0" cy="0"/>
-          <a:chOff x="0" y="0"/>
-          <a:chExt cx="0" cy="0"/>
-        </a:xfrm>
-      </p:grpSpPr>
-      <p:sp>
-        <p:nvSpPr>
-          <p:cNvPr id="22" name="Rectangle 9"/>
+          <p:cNvPr id="46" name="Rectangle 33"/>
           <p:cNvSpPr>
             <a:spLocks noGrp="1" noRot="1" noChangeAspect="1" noMove="1" noResize="1" noEditPoints="1" noAdjustHandles="1" noChangeArrowheads="1" noChangeShapeType="1" noTextEdit="1"/>
           </p:cNvSpPr>
@@ -6679,7 +6762,7 @@
       </p:sp>
       <p:pic>
         <p:nvPicPr>
-          <p:cNvPr id="23" name="Picture 10"/>
+          <p:cNvPr id="47" name="Picture 34"/>
           <p:cNvPicPr>
             <a:picLocks noGrp="1" noRot="1" noChangeAspect="1" noMove="1" noResize="1" noEditPoints="1" noAdjustHandles="1" noChangeArrowheads="1" noChangeShapeType="1" noCrop="1"/>
           </p:cNvPicPr>
@@ -6714,7 +6797,7 @@
       </p:pic>
       <p:pic>
         <p:nvPicPr>
-          <p:cNvPr id="24" name="Picture 11"/>
+          <p:cNvPr id="48" name="Picture 35"/>
           <p:cNvPicPr>
             <a:picLocks noGrp="1" noRot="1" noChangeAspect="1" noMove="1" noResize="1" noEditPoints="1" noAdjustHandles="1" noChangeArrowheads="1" noChangeShapeType="1" noCrop="1"/>
           </p:cNvPicPr>
@@ -6749,7 +6832,7 @@
       </p:pic>
       <p:sp>
         <p:nvSpPr>
-          <p:cNvPr id="25" name="Oval 12"/>
+          <p:cNvPr id="49" name="Oval 36"/>
           <p:cNvSpPr>
             <a:spLocks noGrp="1" noRot="1" noChangeAspect="1" noMove="1" noResize="1" noEditPoints="1" noAdjustHandles="1" noChangeArrowheads="1" noChangeShapeType="1" noTextEdit="1"/>
           </p:cNvSpPr>
@@ -6820,7 +6903,7 @@
       </p:sp>
       <p:pic>
         <p:nvPicPr>
-          <p:cNvPr id="26" name="Picture 13"/>
+          <p:cNvPr id="50" name="Picture 37"/>
           <p:cNvPicPr>
             <a:picLocks noGrp="1" noRot="1" noChangeAspect="1" noMove="1" noResize="1" noEditPoints="1" noAdjustHandles="1" noChangeArrowheads="1" noChangeShapeType="1" noCrop="1"/>
           </p:cNvPicPr>
@@ -6855,7 +6938,7 @@
       </p:pic>
       <p:pic>
         <p:nvPicPr>
-          <p:cNvPr id="27" name="Picture 14"/>
+          <p:cNvPr id="51" name="Picture 38"/>
           <p:cNvPicPr>
             <a:picLocks noGrp="1" noRot="1" noChangeAspect="1" noMove="1" noResize="1" noEditPoints="1" noAdjustHandles="1" noChangeArrowheads="1" noChangeShapeType="1" noCrop="1"/>
           </p:cNvPicPr>
@@ -6890,7 +6973,7 @@
       </p:pic>
       <p:sp>
         <p:nvSpPr>
-          <p:cNvPr id="28" name="Rectangle 15"/>
+          <p:cNvPr id="52" name="Rectangle 39"/>
           <p:cNvSpPr>
             <a:spLocks noGrp="1" noRot="1" noChangeAspect="1" noMove="1" noResize="1" noEditPoints="1" noAdjustHandles="1" noChangeArrowheads="1" noChangeShapeType="1" noTextEdit="1"/>
           </p:cNvSpPr>
@@ -6934,7 +7017,7 @@
       </p:sp>
       <p:sp>
         <p:nvSpPr>
-          <p:cNvPr id="29" name="Rectangle 16"/>
+          <p:cNvPr id="53" name="Rectangle 40"/>
           <p:cNvSpPr>
             <a:spLocks noGrp="1" noRot="1" noChangeAspect="1" noMove="1" noResize="1" noEditPoints="1" noAdjustHandles="1" noChangeArrowheads="1" noChangeShapeType="1" noTextEdit="1"/>
           </p:cNvSpPr>
@@ -6948,8 +7031,8 @@
         </p:nvSpPr>
         <p:spPr>
           <a:xfrm>
-            <a:off x="6093992" y="0"/>
-            <a:ext cx="6098427" cy="6858000"/>
+            <a:off x="4639056" y="0"/>
+            <a:ext cx="7552944" cy="6858000"/>
           </a:xfrm>
           <a:prstGeom prst="rect">
             <a:avLst/>
@@ -6988,7 +7071,7 @@
       </p:sp>
       <p:sp>
         <p:nvSpPr>
-          <p:cNvPr id="30" name="Freeform 31"/>
+          <p:cNvPr id="54" name="Rectangle 41"/>
           <p:cNvSpPr>
             <a:spLocks noGrp="1" noRot="1" noChangeAspect="1" noMove="1" noResize="1" noEditPoints="1" noAdjustHandles="1" noChangeArrowheads="1" noChangeShapeType="1" noTextEdit="1"/>
           </p:cNvSpPr>
@@ -7002,7 +7085,51 @@
         </p:nvSpPr>
         <p:spPr>
           <a:xfrm>
-            <a:off x="4994020" y="-1"/>
+            <a:off x="10437812" y="0"/>
+            <a:ext cx="685800" cy="1143000"/>
+          </a:xfrm>
+          <a:prstGeom prst="rect">
+            <a:avLst/>
+          </a:prstGeom>
+          <a:solidFill>
+            <a:schemeClr val="accent1"/>
+          </a:solidFill>
+          <a:ln>
+            <a:noFill/>
+          </a:ln>
+        </p:spPr>
+        <p:style>
+          <a:lnRef idx="1">
+            <a:schemeClr val="accent1"/>
+          </a:lnRef>
+          <a:fillRef idx="3">
+            <a:schemeClr val="accent1"/>
+          </a:fillRef>
+          <a:effectRef idx="2">
+            <a:schemeClr val="accent1"/>
+          </a:effectRef>
+          <a:fontRef idx="minor">
+            <a:schemeClr val="lt1"/>
+          </a:fontRef>
+        </p:style>
+      </p:sp>
+      <p:sp>
+        <p:nvSpPr>
+          <p:cNvPr id="55" name="Freeform 23"/>
+          <p:cNvSpPr>
+            <a:spLocks noGrp="1" noRot="1" noChangeAspect="1" noMove="1" noResize="1" noEditPoints="1" noAdjustHandles="1" noChangeArrowheads="1" noChangeShapeType="1" noTextEdit="1"/>
+          </p:cNvSpPr>
+          <p:nvPr>
+            <p:extLst>
+              <p:ext uri="{386F3935-93C4-4BCD-93E2-E3B085C9AB24}">
+                <p16:designElem xmlns:p16="http://schemas.microsoft.com/office/powerpoint/2015/main" val="1"/>
+              </p:ext>
+            </p:extLst>
+          </p:nvPr>
+        </p:nvSpPr>
+        <p:spPr>
+          <a:xfrm>
+            <a:off x="3948110" y="-1"/>
             <a:ext cx="559472" cy="3709642"/>
           </a:xfrm>
           <a:custGeom>
@@ -7331,7 +7458,7 @@
       </p:sp>
       <p:sp>
         <p:nvSpPr>
-          <p:cNvPr id="31" name="Freeform 5"/>
+          <p:cNvPr id="56" name="Freeform 5"/>
           <p:cNvSpPr>
             <a:spLocks noGrp="1" noRot="1" noChangeAspect="1" noMove="1" noResize="1" noEditPoints="1" noAdjustHandles="1" noChangeArrowheads="1" noChangeShapeType="1" noTextEdit="1"/>
           </p:cNvSpPr>
@@ -7345,7 +7472,7 @@
         </p:nvSpPr>
         <p:spPr bwMode="gray">
           <a:xfrm rot="16200000">
-            <a:off x="2450577" y="2756642"/>
+            <a:off x="1404667" y="2756642"/>
             <a:ext cx="6858000" cy="1344715"/>
           </a:xfrm>
           <a:custGeom>
@@ -7523,13 +7650,11 @@
       </p:sp>
       <p:pic>
         <p:nvPicPr>
-          <p:cNvPr id="8" name="Tijdelijke aanduiding voor inhoud 7"/>
+          <p:cNvPr id="5" name="Afbeelding 4"/>
           <p:cNvPicPr>
-            <a:picLocks noGrp="1" noChangeAspect="1"/>
+            <a:picLocks noChangeAspect="1"/>
           </p:cNvPicPr>
-          <p:nvPr>
-            <p:ph sz="half" idx="2"/>
-          </p:nvPr>
+          <p:nvPr/>
         </p:nvPicPr>
         <p:blipFill>
           <a:blip r:embed="rId7">
@@ -7545,8 +7670,8 @@
         </p:blipFill>
         <p:spPr>
           <a:xfrm>
-            <a:off x="6093992" y="1507913"/>
-            <a:ext cx="5449889" cy="3842171"/>
+            <a:off x="5410883" y="1447799"/>
+            <a:ext cx="2423160" cy="4572001"/>
           </a:xfrm>
           <a:prstGeom prst="rect">
             <a:avLst/>
@@ -7554,50 +7679,39 @@
           <a:effectLst/>
         </p:spPr>
       </p:pic>
-      <p:sp>
-        <p:nvSpPr>
-          <p:cNvPr id="32" name="Rectangle 19"/>
-          <p:cNvSpPr>
-            <a:spLocks noGrp="1" noRot="1" noChangeAspect="1" noMove="1" noResize="1" noEditPoints="1" noAdjustHandles="1" noChangeArrowheads="1" noChangeShapeType="1" noTextEdit="1"/>
-          </p:cNvSpPr>
-          <p:nvPr>
-            <p:extLst>
-              <p:ext uri="{386F3935-93C4-4BCD-93E2-E3B085C9AB24}">
-                <p16:designElem xmlns:p16="http://schemas.microsoft.com/office/powerpoint/2015/main" val="1"/>
-              </p:ext>
-            </p:extLst>
-          </p:nvPr>
-        </p:nvSpPr>
-        <p:spPr>
-          <a:xfrm>
-            <a:off x="10442448" y="0"/>
-            <a:ext cx="685800" cy="1143000"/>
+      <p:pic>
+        <p:nvPicPr>
+          <p:cNvPr id="8" name="Tijdelijke aanduiding voor inhoud 7"/>
+          <p:cNvPicPr>
+            <a:picLocks noGrp="1" noChangeAspect="1"/>
+          </p:cNvPicPr>
+          <p:nvPr>
+            <p:ph sz="half" idx="2"/>
+          </p:nvPr>
+        </p:nvPicPr>
+        <p:blipFill>
+          <a:blip r:embed="rId8">
+            <a:extLst>
+              <a:ext uri="{28A0092B-C50C-407E-A947-70E740481C1C}">
+                <a14:useLocalDpi xmlns:a14="http://schemas.microsoft.com/office/drawing/2010/main" val="0"/>
+              </a:ext>
+            </a:extLst>
+          </a:blip>
+          <a:stretch>
+            <a:fillRect/>
+          </a:stretch>
+        </p:blipFill>
+        <p:spPr>
+          <a:xfrm>
+            <a:off x="8394091" y="2624122"/>
+            <a:ext cx="3148022" cy="2219355"/>
           </a:xfrm>
           <a:prstGeom prst="rect">
             <a:avLst/>
           </a:prstGeom>
-          <a:solidFill>
-            <a:schemeClr val="accent1"/>
-          </a:solidFill>
-          <a:ln>
-            <a:noFill/>
-          </a:ln>
-        </p:spPr>
-        <p:style>
-          <a:lnRef idx="1">
-            <a:schemeClr val="accent1"/>
-          </a:lnRef>
-          <a:fillRef idx="3">
-            <a:schemeClr val="accent1"/>
-          </a:fillRef>
-          <a:effectRef idx="2">
-            <a:schemeClr val="accent1"/>
-          </a:effectRef>
-          <a:fontRef idx="minor">
-            <a:schemeClr val="lt1"/>
-          </a:fontRef>
-        </p:style>
-      </p:sp>
+          <a:effectLst/>
+        </p:spPr>
+      </p:pic>
       <p:sp>
         <p:nvSpPr>
           <p:cNvPr id="2" name="Titel 1"/>
@@ -7610,18 +7724,18 @@
         </p:nvSpPr>
         <p:spPr>
           <a:xfrm>
-            <a:off x="648931" y="629266"/>
-            <a:ext cx="4166510" cy="1622321"/>
-          </a:xfrm>
-        </p:spPr>
-        <p:txBody>
-          <a:bodyPr vert="horz" lIns="91440" tIns="45720" rIns="91440" bIns="45720" rtlCol="0" anchor="t">
+            <a:off x="646111" y="1447799"/>
+            <a:ext cx="3105075" cy="1444750"/>
+          </a:xfrm>
+        </p:spPr>
+        <p:txBody>
+          <a:bodyPr vert="horz" lIns="91440" tIns="45720" rIns="91440" bIns="45720" rtlCol="0" anchor="b">
             <a:normAutofit/>
           </a:bodyPr>
           <a:lstStyle/>
           <a:p>
             <a:r>
-              <a:rPr lang="en-US"/>
+              <a:rPr lang="en-US" sz="3200"/>
               <a:t>Wapens</a:t>
             </a:r>
           </a:p>
@@ -7639,8 +7753,8 @@
         </p:nvSpPr>
         <p:spPr>
           <a:xfrm>
-            <a:off x="648931" y="2438400"/>
-            <a:ext cx="4166509" cy="3785419"/>
+            <a:off x="646111" y="3088493"/>
+            <a:ext cx="3104751" cy="2931307"/>
           </a:xfrm>
         </p:spPr>
         <p:txBody>
@@ -7650,7 +7764,7 @@
           <a:lstStyle/>
           <a:p>
             <a:r>
-              <a:rPr lang="en-US"/>
+              <a:rPr lang="en-US" sz="1600"/>
               <a:t>Thomas</a:t>
             </a:r>
           </a:p>
@@ -7669,7 +7783,7 @@
 </p:sld>
 </file>
 
-<file path=ppt/slides/slide7.xml><?xml version="1.0" encoding="utf-8"?>
+<file path=ppt/slides/slide6.xml><?xml version="1.0" encoding="utf-8"?>
 <p:sld xmlns:a="http://schemas.openxmlformats.org/drawingml/2006/main" xmlns:r="http://schemas.openxmlformats.org/officeDocument/2006/relationships" xmlns:p="http://schemas.openxmlformats.org/presentationml/2006/main">
   <p:cSld>
     <p:spTree>
@@ -7688,7 +7802,7 @@
       </p:grpSpPr>
       <p:sp>
         <p:nvSpPr>
-          <p:cNvPr id="7" name="Rectangle 6"/>
+          <p:cNvPr id="17" name="Rectangle 16"/>
           <p:cNvSpPr>
             <a:spLocks noGrp="1" noRot="1" noChangeAspect="1" noMove="1" noResize="1" noEditPoints="1" noAdjustHandles="1" noChangeArrowheads="1" noChangeShapeType="1" noTextEdit="1"/>
           </p:cNvSpPr>
@@ -7735,7 +7849,7 @@
       </p:sp>
       <p:pic>
         <p:nvPicPr>
-          <p:cNvPr id="8" name="Picture 7"/>
+          <p:cNvPr id="18" name="Picture 17"/>
           <p:cNvPicPr>
             <a:picLocks noGrp="1" noRot="1" noChangeAspect="1" noMove="1" noResize="1" noEditPoints="1" noAdjustHandles="1" noChangeArrowheads="1" noChangeShapeType="1" noCrop="1"/>
           </p:cNvPicPr>
@@ -7770,7 +7884,7 @@
       </p:pic>
       <p:pic>
         <p:nvPicPr>
-          <p:cNvPr id="9" name="Picture 8"/>
+          <p:cNvPr id="19" name="Picture 18"/>
           <p:cNvPicPr>
             <a:picLocks noGrp="1" noRot="1" noChangeAspect="1" noMove="1" noResize="1" noEditPoints="1" noAdjustHandles="1" noChangeArrowheads="1" noChangeShapeType="1" noCrop="1"/>
           </p:cNvPicPr>
@@ -7805,7 +7919,7 @@
       </p:pic>
       <p:sp>
         <p:nvSpPr>
-          <p:cNvPr id="10" name="Oval 9"/>
+          <p:cNvPr id="20" name="Oval 19"/>
           <p:cNvSpPr>
             <a:spLocks noGrp="1" noRot="1" noChangeAspect="1" noMove="1" noResize="1" noEditPoints="1" noAdjustHandles="1" noChangeArrowheads="1" noChangeShapeType="1" noTextEdit="1"/>
           </p:cNvSpPr>
@@ -7876,7 +7990,7 @@
       </p:sp>
       <p:pic>
         <p:nvPicPr>
-          <p:cNvPr id="11" name="Picture 10"/>
+          <p:cNvPr id="21" name="Picture 20"/>
           <p:cNvPicPr>
             <a:picLocks noGrp="1" noRot="1" noChangeAspect="1" noMove="1" noResize="1" noEditPoints="1" noAdjustHandles="1" noChangeArrowheads="1" noChangeShapeType="1" noCrop="1"/>
           </p:cNvPicPr>
@@ -7911,7 +8025,7 @@
       </p:pic>
       <p:pic>
         <p:nvPicPr>
-          <p:cNvPr id="12" name="Picture 11"/>
+          <p:cNvPr id="22" name="Picture 21"/>
           <p:cNvPicPr>
             <a:picLocks noGrp="1" noRot="1" noChangeAspect="1" noMove="1" noResize="1" noEditPoints="1" noAdjustHandles="1" noChangeArrowheads="1" noChangeShapeType="1" noCrop="1"/>
           </p:cNvPicPr>
@@ -7946,7 +8060,7 @@
       </p:pic>
       <p:sp>
         <p:nvSpPr>
-          <p:cNvPr id="13" name="Rectangle 12"/>
+          <p:cNvPr id="23" name="Rectangle 22"/>
           <p:cNvSpPr>
             <a:spLocks noGrp="1" noRot="1" noChangeAspect="1" noMove="1" noResize="1" noEditPoints="1" noAdjustHandles="1" noChangeArrowheads="1" noChangeShapeType="1" noTextEdit="1"/>
           </p:cNvSpPr>
@@ -7990,29 +8104,29 @@
       </p:sp>
       <p:pic>
         <p:nvPicPr>
-          <p:cNvPr id="5" name="Tijdelijke aanduiding voor inhoud 4"/>
+          <p:cNvPr id="15" name="Tijdelijke aanduiding voor inhoud 14"/>
           <p:cNvPicPr>
-            <a:picLocks noGrp="1"/>
+            <a:picLocks noGrp="1" noChangeAspect="1"/>
           </p:cNvPicPr>
           <p:nvPr>
             <p:ph sz="half" idx="2"/>
           </p:nvPr>
         </p:nvPicPr>
         <p:blipFill rotWithShape="1">
-          <a:blip r:embed="rId7" cstate="print">
+          <a:blip r:embed="rId7">
             <a:extLst>
               <a:ext uri="{28A0092B-C50C-407E-A947-70E740481C1C}">
                 <a14:useLocalDpi xmlns:a14="http://schemas.microsoft.com/office/drawing/2010/main" val="0"/>
               </a:ext>
             </a:extLst>
           </a:blip>
-          <a:srcRect l="9282" r="21639" b="-1"/>
+          <a:srcRect r="2238" b="1"/>
           <a:stretch/>
         </p:blipFill>
-        <p:spPr bwMode="auto">
-          <a:xfrm rot="5400000">
-            <a:off x="5794796" y="1532451"/>
-            <a:ext cx="4658135" cy="3793098"/>
+        <p:spPr>
+          <a:xfrm>
+            <a:off x="6091916" y="2052213"/>
+            <a:ext cx="5451627" cy="4196185"/>
           </a:xfrm>
           <a:prstGeom prst="rect">
             <a:avLst/>
@@ -8024,59 +8138,10 @@
               </a:prstClr>
             </a:outerShdw>
           </a:effectLst>
-          <a:extLst>
-            <a:ext uri="{53640926-AAD7-44D8-BBD7-CCE9431645EC}">
-              <a14:shadowObscured xmlns:a14="http://schemas.microsoft.com/office/drawing/2010/main"/>
-            </a:ext>
-          </a:extLst>
         </p:spPr>
       </p:pic>
       <p:sp>
         <p:nvSpPr>
-          <p:cNvPr id="14" name="Rectangle 13"/>
-          <p:cNvSpPr>
-            <a:spLocks noGrp="1" noRot="1" noChangeAspect="1" noMove="1" noResize="1" noEditPoints="1" noAdjustHandles="1" noChangeArrowheads="1" noChangeShapeType="1" noTextEdit="1"/>
-          </p:cNvSpPr>
-          <p:nvPr>
-            <p:extLst>
-              <p:ext uri="{386F3935-93C4-4BCD-93E2-E3B085C9AB24}">
-                <p16:designElem xmlns:p16="http://schemas.microsoft.com/office/powerpoint/2015/main" val="1"/>
-              </p:ext>
-            </p:extLst>
-          </p:nvPr>
-        </p:nvSpPr>
-        <p:spPr>
-          <a:xfrm>
-            <a:off x="10442448" y="0"/>
-            <a:ext cx="685800" cy="1143000"/>
-          </a:xfrm>
-          <a:prstGeom prst="rect">
-            <a:avLst/>
-          </a:prstGeom>
-          <a:solidFill>
-            <a:schemeClr val="accent1"/>
-          </a:solidFill>
-          <a:ln>
-            <a:noFill/>
-          </a:ln>
-        </p:spPr>
-        <p:style>
-          <a:lnRef idx="1">
-            <a:schemeClr val="accent1"/>
-          </a:lnRef>
-          <a:fillRef idx="3">
-            <a:schemeClr val="accent1"/>
-          </a:fillRef>
-          <a:effectRef idx="2">
-            <a:schemeClr val="accent1"/>
-          </a:effectRef>
-          <a:fontRef idx="minor">
-            <a:schemeClr val="lt1"/>
-          </a:fontRef>
-        </p:style>
-      </p:sp>
-      <p:sp>
-        <p:nvSpPr>
           <p:cNvPr id="2" name="Titel 1"/>
           <p:cNvSpPr>
             <a:spLocks noGrp="1"/>
@@ -8088,7 +8153,7 @@
         <p:spPr>
           <a:xfrm>
             <a:off x="648930" y="629266"/>
-            <a:ext cx="3322912" cy="1641987"/>
+            <a:ext cx="9252154" cy="1223983"/>
           </a:xfrm>
         </p:spPr>
         <p:txBody>
@@ -8116,8 +8181,8 @@
         </p:nvSpPr>
         <p:spPr>
           <a:xfrm>
-            <a:off x="647701" y="2438401"/>
-            <a:ext cx="3324141" cy="3809998"/>
+            <a:off x="1103311" y="2052214"/>
+            <a:ext cx="4338409" cy="4196185"/>
           </a:xfrm>
         </p:spPr>
         <p:txBody>
@@ -8146,7 +8211,7 @@
 </p:sld>
 </file>
 
-<file path=ppt/slides/slide8.xml><?xml version="1.0" encoding="utf-8"?>
+<file path=ppt/slides/slide7.xml><?xml version="1.0" encoding="utf-8"?>
 <p:sld xmlns:a="http://schemas.openxmlformats.org/drawingml/2006/main" xmlns:r="http://schemas.openxmlformats.org/officeDocument/2006/relationships" xmlns:p="http://schemas.openxmlformats.org/presentationml/2006/main">
   <p:cSld>
     <p:spTree>
@@ -8165,7 +8230,7 @@
       </p:grpSpPr>
       <p:sp>
         <p:nvSpPr>
-          <p:cNvPr id="7" name="Rectangle 6"/>
+          <p:cNvPr id="34" name="Rectangle 33"/>
           <p:cNvSpPr>
             <a:spLocks noGrp="1" noRot="1" noChangeAspect="1" noMove="1" noResize="1" noEditPoints="1" noAdjustHandles="1" noChangeArrowheads="1" noChangeShapeType="1" noTextEdit="1"/>
           </p:cNvSpPr>
@@ -8212,7 +8277,7 @@
       </p:sp>
       <p:pic>
         <p:nvPicPr>
-          <p:cNvPr id="8" name="Picture 7"/>
+          <p:cNvPr id="35" name="Picture 34"/>
           <p:cNvPicPr>
             <a:picLocks noGrp="1" noRot="1" noChangeAspect="1" noMove="1" noResize="1" noEditPoints="1" noAdjustHandles="1" noChangeArrowheads="1" noChangeShapeType="1" noCrop="1"/>
           </p:cNvPicPr>
@@ -8247,7 +8312,7 @@
       </p:pic>
       <p:pic>
         <p:nvPicPr>
-          <p:cNvPr id="9" name="Picture 8"/>
+          <p:cNvPr id="36" name="Picture 35"/>
           <p:cNvPicPr>
             <a:picLocks noGrp="1" noRot="1" noChangeAspect="1" noMove="1" noResize="1" noEditPoints="1" noAdjustHandles="1" noChangeArrowheads="1" noChangeShapeType="1" noCrop="1"/>
           </p:cNvPicPr>
@@ -8282,7 +8347,7 @@
       </p:pic>
       <p:sp>
         <p:nvSpPr>
-          <p:cNvPr id="10" name="Oval 9"/>
+          <p:cNvPr id="37" name="Oval 36"/>
           <p:cNvSpPr>
             <a:spLocks noGrp="1" noRot="1" noChangeAspect="1" noMove="1" noResize="1" noEditPoints="1" noAdjustHandles="1" noChangeArrowheads="1" noChangeShapeType="1" noTextEdit="1"/>
           </p:cNvSpPr>
@@ -8353,7 +8418,7 @@
       </p:sp>
       <p:pic>
         <p:nvPicPr>
-          <p:cNvPr id="11" name="Picture 10"/>
+          <p:cNvPr id="38" name="Picture 37"/>
           <p:cNvPicPr>
             <a:picLocks noGrp="1" noRot="1" noChangeAspect="1" noMove="1" noResize="1" noEditPoints="1" noAdjustHandles="1" noChangeArrowheads="1" noChangeShapeType="1" noCrop="1"/>
           </p:cNvPicPr>
@@ -8388,7 +8453,7 @@
       </p:pic>
       <p:pic>
         <p:nvPicPr>
-          <p:cNvPr id="12" name="Picture 11"/>
+          <p:cNvPr id="39" name="Picture 38"/>
           <p:cNvPicPr>
             <a:picLocks noGrp="1" noRot="1" noChangeAspect="1" noMove="1" noResize="1" noEditPoints="1" noAdjustHandles="1" noChangeArrowheads="1" noChangeShapeType="1" noCrop="1"/>
           </p:cNvPicPr>
@@ -8423,7 +8488,7 @@
       </p:pic>
       <p:sp>
         <p:nvSpPr>
-          <p:cNvPr id="13" name="Rectangle 12"/>
+          <p:cNvPr id="40" name="Rectangle 39"/>
           <p:cNvSpPr>
             <a:spLocks noGrp="1" noRot="1" noChangeAspect="1" noMove="1" noResize="1" noEditPoints="1" noAdjustHandles="1" noChangeArrowheads="1" noChangeShapeType="1" noTextEdit="1"/>
           </p:cNvSpPr>
@@ -8465,610 +8530,9 @@
           </a:fontRef>
         </p:style>
       </p:sp>
-      <p:sp>
-        <p:nvSpPr>
-          <p:cNvPr id="14" name="Rectangle 13"/>
-          <p:cNvSpPr>
-            <a:spLocks noGrp="1" noRot="1" noChangeAspect="1" noMove="1" noResize="1" noEditPoints="1" noAdjustHandles="1" noChangeArrowheads="1" noChangeShapeType="1" noTextEdit="1"/>
-          </p:cNvSpPr>
-          <p:nvPr>
-            <p:extLst>
-              <p:ext uri="{386F3935-93C4-4BCD-93E2-E3B085C9AB24}">
-                <p16:designElem xmlns:p16="http://schemas.microsoft.com/office/powerpoint/2015/main" val="1"/>
-              </p:ext>
-            </p:extLst>
-          </p:nvPr>
-        </p:nvSpPr>
-        <p:spPr>
-          <a:xfrm>
-            <a:off x="1" y="3924298"/>
-            <a:ext cx="12192417" cy="2933702"/>
-          </a:xfrm>
-          <a:prstGeom prst="rect">
-            <a:avLst/>
-          </a:prstGeom>
-          <a:solidFill>
-            <a:srgbClr val="FFFFFF"/>
-          </a:solidFill>
-          <a:ln>
-            <a:noFill/>
-          </a:ln>
-        </p:spPr>
-        <p:style>
-          <a:lnRef idx="2">
-            <a:schemeClr val="accent1">
-              <a:shade val="50000"/>
-            </a:schemeClr>
-          </a:lnRef>
-          <a:fillRef idx="1">
-            <a:schemeClr val="accent1"/>
-          </a:fillRef>
-          <a:effectRef idx="0">
-            <a:schemeClr val="accent1"/>
-          </a:effectRef>
-          <a:fontRef idx="minor">
-            <a:schemeClr val="lt1"/>
-          </a:fontRef>
-        </p:style>
-        <p:txBody>
-          <a:bodyPr rtlCol="0" anchor="ctr"/>
-          <a:lstStyle/>
-          <a:p>
-            <a:pPr algn="ctr"/>
-            <a:endParaRPr lang="en-US"/>
-          </a:p>
-        </p:txBody>
-      </p:sp>
-      <p:sp>
-        <p:nvSpPr>
-          <p:cNvPr id="15" name="Freeform 7"/>
-          <p:cNvSpPr>
-            <a:spLocks noGrp="1" noRot="1" noChangeAspect="1" noMove="1" noResize="1" noEditPoints="1" noAdjustHandles="1" noChangeArrowheads="1" noChangeShapeType="1" noTextEdit="1"/>
-          </p:cNvSpPr>
-          <p:nvPr>
-            <p:extLst>
-              <p:ext uri="{386F3935-93C4-4BCD-93E2-E3B085C9AB24}">
-                <p16:designElem xmlns:p16="http://schemas.microsoft.com/office/powerpoint/2015/main" val="1"/>
-              </p:ext>
-            </p:extLst>
-          </p:nvPr>
-        </p:nvSpPr>
-        <p:spPr>
-          <a:xfrm>
-            <a:off x="8719939" y="1460230"/>
-            <a:ext cx="3472060" cy="825932"/>
-          </a:xfrm>
-          <a:custGeom>
-            <a:avLst/>
-            <a:gdLst>
-              <a:gd name="connsiteX0" fmla="*/ 3470310 w 3472060"/>
-              <a:gd name="connsiteY0" fmla="*/ 0 h 825932"/>
-              <a:gd name="connsiteX1" fmla="*/ 3472060 w 3472060"/>
-              <a:gd name="connsiteY1" fmla="*/ 12850 h 825932"/>
-              <a:gd name="connsiteX2" fmla="*/ 3472060 w 3472060"/>
-              <a:gd name="connsiteY2" fmla="*/ 480529 h 825932"/>
-              <a:gd name="connsiteX3" fmla="*/ 3363699 w 3472060"/>
-              <a:gd name="connsiteY3" fmla="*/ 498471 h 825932"/>
-              <a:gd name="connsiteX4" fmla="*/ 42060 w 3472060"/>
-              <a:gd name="connsiteY4" fmla="*/ 824486 h 825932"/>
-              <a:gd name="connsiteX5" fmla="*/ 0 w 3472060"/>
-              <a:gd name="connsiteY5" fmla="*/ 758452 h 825932"/>
-              <a:gd name="connsiteX6" fmla="*/ 188014 w 3472060"/>
-              <a:gd name="connsiteY6" fmla="*/ 735602 h 825932"/>
-              <a:gd name="connsiteX7" fmla="*/ 284087 w 3472060"/>
-              <a:gd name="connsiteY7" fmla="*/ 722590 h 825932"/>
-              <a:gd name="connsiteX8" fmla="*/ 382288 w 3472060"/>
-              <a:gd name="connsiteY8" fmla="*/ 709392 h 825932"/>
-              <a:gd name="connsiteX9" fmla="*/ 481858 w 3472060"/>
-              <a:gd name="connsiteY9" fmla="*/ 695774 h 825932"/>
-              <a:gd name="connsiteX10" fmla="*/ 581897 w 3472060"/>
-              <a:gd name="connsiteY10" fmla="*/ 680711 h 825932"/>
-              <a:gd name="connsiteX11" fmla="*/ 683670 w 3472060"/>
-              <a:gd name="connsiteY11" fmla="*/ 665256 h 825932"/>
-              <a:gd name="connsiteX12" fmla="*/ 787206 w 3472060"/>
-              <a:gd name="connsiteY12" fmla="*/ 649587 h 825932"/>
-              <a:gd name="connsiteX13" fmla="*/ 892019 w 3472060"/>
-              <a:gd name="connsiteY13" fmla="*/ 632968 h 825932"/>
-              <a:gd name="connsiteX14" fmla="*/ 997620 w 3472060"/>
-              <a:gd name="connsiteY14" fmla="*/ 614667 h 825932"/>
-              <a:gd name="connsiteX15" fmla="*/ 1104727 w 3472060"/>
-              <a:gd name="connsiteY15" fmla="*/ 596741 h 825932"/>
-              <a:gd name="connsiteX16" fmla="*/ 1212669 w 3472060"/>
-              <a:gd name="connsiteY16" fmla="*/ 577397 h 825932"/>
-              <a:gd name="connsiteX17" fmla="*/ 1321506 w 3472060"/>
-              <a:gd name="connsiteY17" fmla="*/ 556988 h 825932"/>
-              <a:gd name="connsiteX18" fmla="*/ 1430709 w 3472060"/>
-              <a:gd name="connsiteY18" fmla="*/ 536607 h 825932"/>
-              <a:gd name="connsiteX19" fmla="*/ 1541050 w 3472060"/>
-              <a:gd name="connsiteY19" fmla="*/ 514481 h 825932"/>
-              <a:gd name="connsiteX20" fmla="*/ 1652805 w 3472060"/>
-              <a:gd name="connsiteY20" fmla="*/ 492202 h 825932"/>
-              <a:gd name="connsiteX21" fmla="*/ 1763708 w 3472060"/>
-              <a:gd name="connsiteY21" fmla="*/ 469161 h 825932"/>
-              <a:gd name="connsiteX22" fmla="*/ 1875795 w 3472060"/>
-              <a:gd name="connsiteY22" fmla="*/ 444641 h 825932"/>
-              <a:gd name="connsiteX23" fmla="*/ 1989128 w 3472060"/>
-              <a:gd name="connsiteY23" fmla="*/ 418995 h 825932"/>
-              <a:gd name="connsiteX24" fmla="*/ 2102476 w 3472060"/>
-              <a:gd name="connsiteY24" fmla="*/ 393438 h 825932"/>
-              <a:gd name="connsiteX25" fmla="*/ 2215549 w 3472060"/>
-              <a:gd name="connsiteY25" fmla="*/ 366291 h 825932"/>
-              <a:gd name="connsiteX26" fmla="*/ 2330490 w 3472060"/>
-              <a:gd name="connsiteY26" fmla="*/ 337455 h 825932"/>
-              <a:gd name="connsiteX27" fmla="*/ 2443333 w 3472060"/>
-              <a:gd name="connsiteY27" fmla="*/ 308983 h 825932"/>
-              <a:gd name="connsiteX28" fmla="*/ 2558014 w 3472060"/>
-              <a:gd name="connsiteY28" fmla="*/ 278646 h 825932"/>
-              <a:gd name="connsiteX29" fmla="*/ 2673621 w 3472060"/>
-              <a:gd name="connsiteY29" fmla="*/ 247421 h 825932"/>
-              <a:gd name="connsiteX30" fmla="*/ 2787008 w 3472060"/>
-              <a:gd name="connsiteY30" fmla="*/ 215853 h 825932"/>
-              <a:gd name="connsiteX31" fmla="*/ 2901442 w 3472060"/>
-              <a:gd name="connsiteY31" fmla="*/ 182011 h 825932"/>
-              <a:gd name="connsiteX32" fmla="*/ 3015722 w 3472060"/>
-              <a:gd name="connsiteY32" fmla="*/ 147286 h 825932"/>
-              <a:gd name="connsiteX33" fmla="*/ 3130018 w 3472060"/>
-              <a:gd name="connsiteY33" fmla="*/ 112649 h 825932"/>
-              <a:gd name="connsiteX34" fmla="*/ 3243551 w 3472060"/>
-              <a:gd name="connsiteY34" fmla="*/ 75688 h 825932"/>
-              <a:gd name="connsiteX35" fmla="*/ 3356992 w 3472060"/>
-              <a:gd name="connsiteY35" fmla="*/ 38197 h 825932"/>
-              <a:gd name="connsiteX36" fmla="*/ 3470310 w 3472060"/>
-              <a:gd name="connsiteY36" fmla="*/ 0 h 825932"/>
-            </a:gdLst>
-            <a:ahLst/>
-            <a:cxnLst>
-              <a:cxn ang="0">
-                <a:pos x="connsiteX0" y="connsiteY0"/>
-              </a:cxn>
-              <a:cxn ang="0">
-                <a:pos x="connsiteX1" y="connsiteY1"/>
-              </a:cxn>
-              <a:cxn ang="0">
-                <a:pos x="connsiteX2" y="connsiteY2"/>
-              </a:cxn>
-              <a:cxn ang="0">
-                <a:pos x="connsiteX3" y="connsiteY3"/>
-              </a:cxn>
-              <a:cxn ang="0">
-                <a:pos x="connsiteX4" y="connsiteY4"/>
-              </a:cxn>
-              <a:cxn ang="0">
-                <a:pos x="connsiteX5" y="connsiteY5"/>
-              </a:cxn>
-              <a:cxn ang="0">
-                <a:pos x="connsiteX6" y="connsiteY6"/>
-              </a:cxn>
-              <a:cxn ang="0">
-                <a:pos x="connsiteX7" y="connsiteY7"/>
-              </a:cxn>
-              <a:cxn ang="0">
-                <a:pos x="connsiteX8" y="connsiteY8"/>
-              </a:cxn>
-              <a:cxn ang="0">
-                <a:pos x="connsiteX9" y="connsiteY9"/>
-              </a:cxn>
-              <a:cxn ang="0">
-                <a:pos x="connsiteX10" y="connsiteY10"/>
-              </a:cxn>
-              <a:cxn ang="0">
-                <a:pos x="connsiteX11" y="connsiteY11"/>
-              </a:cxn>
-              <a:cxn ang="0">
-                <a:pos x="connsiteX12" y="connsiteY12"/>
-              </a:cxn>
-              <a:cxn ang="0">
-                <a:pos x="connsiteX13" y="connsiteY13"/>
-              </a:cxn>
-              <a:cxn ang="0">
-                <a:pos x="connsiteX14" y="connsiteY14"/>
-              </a:cxn>
-              <a:cxn ang="0">
-                <a:pos x="connsiteX15" y="connsiteY15"/>
-              </a:cxn>
-              <a:cxn ang="0">
-                <a:pos x="connsiteX16" y="connsiteY16"/>
-              </a:cxn>
-              <a:cxn ang="0">
-                <a:pos x="connsiteX17" y="connsiteY17"/>
-              </a:cxn>
-              <a:cxn ang="0">
-                <a:pos x="connsiteX18" y="connsiteY18"/>
-              </a:cxn>
-              <a:cxn ang="0">
-                <a:pos x="connsiteX19" y="connsiteY19"/>
-              </a:cxn>
-              <a:cxn ang="0">
-                <a:pos x="connsiteX20" y="connsiteY20"/>
-              </a:cxn>
-              <a:cxn ang="0">
-                <a:pos x="connsiteX21" y="connsiteY21"/>
-              </a:cxn>
-              <a:cxn ang="0">
-                <a:pos x="connsiteX22" y="connsiteY22"/>
-              </a:cxn>
-              <a:cxn ang="0">
-                <a:pos x="connsiteX23" y="connsiteY23"/>
-              </a:cxn>
-              <a:cxn ang="0">
-                <a:pos x="connsiteX24" y="connsiteY24"/>
-              </a:cxn>
-              <a:cxn ang="0">
-                <a:pos x="connsiteX25" y="connsiteY25"/>
-              </a:cxn>
-              <a:cxn ang="0">
-                <a:pos x="connsiteX26" y="connsiteY26"/>
-              </a:cxn>
-              <a:cxn ang="0">
-                <a:pos x="connsiteX27" y="connsiteY27"/>
-              </a:cxn>
-              <a:cxn ang="0">
-                <a:pos x="connsiteX28" y="connsiteY28"/>
-              </a:cxn>
-              <a:cxn ang="0">
-                <a:pos x="connsiteX29" y="connsiteY29"/>
-              </a:cxn>
-              <a:cxn ang="0">
-                <a:pos x="connsiteX30" y="connsiteY30"/>
-              </a:cxn>
-              <a:cxn ang="0">
-                <a:pos x="connsiteX31" y="connsiteY31"/>
-              </a:cxn>
-              <a:cxn ang="0">
-                <a:pos x="connsiteX32" y="connsiteY32"/>
-              </a:cxn>
-              <a:cxn ang="0">
-                <a:pos x="connsiteX33" y="connsiteY33"/>
-              </a:cxn>
-              <a:cxn ang="0">
-                <a:pos x="connsiteX34" y="connsiteY34"/>
-              </a:cxn>
-              <a:cxn ang="0">
-                <a:pos x="connsiteX35" y="connsiteY35"/>
-              </a:cxn>
-              <a:cxn ang="0">
-                <a:pos x="connsiteX36" y="connsiteY36"/>
-              </a:cxn>
-            </a:cxnLst>
-            <a:rect l="l" t="t" r="r" b="b"/>
-            <a:pathLst>
-              <a:path w="3472060" h="825932">
-                <a:moveTo>
-                  <a:pt x="3470310" y="0"/>
-                </a:moveTo>
-                <a:lnTo>
-                  <a:pt x="3472060" y="12850"/>
-                </a:lnTo>
-                <a:lnTo>
-                  <a:pt x="3472060" y="480529"/>
-                </a:lnTo>
-                <a:lnTo>
-                  <a:pt x="3363699" y="498471"/>
-                </a:lnTo>
-                <a:cubicBezTo>
-                  <a:pt x="2435623" y="645518"/>
-                  <a:pt x="603076" y="844866"/>
-                  <a:pt x="42060" y="824486"/>
-                </a:cubicBezTo>
-                <a:cubicBezTo>
-                  <a:pt x="28151" y="802425"/>
-                  <a:pt x="13909" y="780513"/>
-                  <a:pt x="0" y="758452"/>
-                </a:cubicBezTo>
-                <a:lnTo>
-                  <a:pt x="188014" y="735602"/>
-                </a:lnTo>
-                <a:lnTo>
-                  <a:pt x="284087" y="722590"/>
-                </a:lnTo>
-                <a:lnTo>
-                  <a:pt x="382288" y="709392"/>
-                </a:lnTo>
-                <a:lnTo>
-                  <a:pt x="481858" y="695774"/>
-                </a:lnTo>
-                <a:lnTo>
-                  <a:pt x="581897" y="680711"/>
-                </a:lnTo>
-                <a:lnTo>
-                  <a:pt x="683670" y="665256"/>
-                </a:lnTo>
-                <a:lnTo>
-                  <a:pt x="787206" y="649587"/>
-                </a:lnTo>
-                <a:lnTo>
-                  <a:pt x="892019" y="632968"/>
-                </a:lnTo>
-                <a:lnTo>
-                  <a:pt x="997620" y="614667"/>
-                </a:lnTo>
-                <a:lnTo>
-                  <a:pt x="1104727" y="596741"/>
-                </a:lnTo>
-                <a:lnTo>
-                  <a:pt x="1212669" y="577397"/>
-                </a:lnTo>
-                <a:lnTo>
-                  <a:pt x="1321506" y="556988"/>
-                </a:lnTo>
-                <a:lnTo>
-                  <a:pt x="1430709" y="536607"/>
-                </a:lnTo>
-                <a:lnTo>
-                  <a:pt x="1541050" y="514481"/>
-                </a:lnTo>
-                <a:lnTo>
-                  <a:pt x="1652805" y="492202"/>
-                </a:lnTo>
-                <a:lnTo>
-                  <a:pt x="1763708" y="469161"/>
-                </a:lnTo>
-                <a:lnTo>
-                  <a:pt x="1875795" y="444641"/>
-                </a:lnTo>
-                <a:lnTo>
-                  <a:pt x="1989128" y="418995"/>
-                </a:lnTo>
-                <a:lnTo>
-                  <a:pt x="2102476" y="393438"/>
-                </a:lnTo>
-                <a:lnTo>
-                  <a:pt x="2215549" y="366291"/>
-                </a:lnTo>
-                <a:lnTo>
-                  <a:pt x="2330490" y="337455"/>
-                </a:lnTo>
-                <a:lnTo>
-                  <a:pt x="2443333" y="308983"/>
-                </a:lnTo>
-                <a:lnTo>
-                  <a:pt x="2558014" y="278646"/>
-                </a:lnTo>
-                <a:lnTo>
-                  <a:pt x="2673621" y="247421"/>
-                </a:lnTo>
-                <a:lnTo>
-                  <a:pt x="2787008" y="215853"/>
-                </a:lnTo>
-                <a:lnTo>
-                  <a:pt x="2901442" y="182011"/>
-                </a:lnTo>
-                <a:lnTo>
-                  <a:pt x="3015722" y="147286"/>
-                </a:lnTo>
-                <a:lnTo>
-                  <a:pt x="3130018" y="112649"/>
-                </a:lnTo>
-                <a:lnTo>
-                  <a:pt x="3243551" y="75688"/>
-                </a:lnTo>
-                <a:lnTo>
-                  <a:pt x="3356992" y="38197"/>
-                </a:lnTo>
-                <a:lnTo>
-                  <a:pt x="3470310" y="0"/>
-                </a:lnTo>
-                <a:close/>
-              </a:path>
-            </a:pathLst>
-          </a:custGeom>
-          <a:solidFill>
-            <a:schemeClr val="tx1">
-              <a:alpha val="20000"/>
-            </a:schemeClr>
-          </a:solidFill>
-          <a:ln>
-            <a:noFill/>
-          </a:ln>
-        </p:spPr>
-        <p:txBody>
-          <a:bodyPr rtlCol="0" anchor="ctr"/>
-          <a:lstStyle/>
-          <a:p>
-            <a:pPr algn="ctr"/>
-            <a:endParaRPr lang="en-US">
-              <a:solidFill>
-                <a:schemeClr val="tx1"/>
-              </a:solidFill>
-            </a:endParaRPr>
-          </a:p>
-        </p:txBody>
-      </p:sp>
-      <p:sp>
-        <p:nvSpPr>
-          <p:cNvPr id="16" name="Freeform 5"/>
-          <p:cNvSpPr>
-            <a:spLocks noGrp="1" noRot="1" noChangeAspect="1" noMove="1" noResize="1" noEditPoints="1" noAdjustHandles="1" noChangeArrowheads="1" noChangeShapeType="1" noTextEdit="1"/>
-          </p:cNvSpPr>
-          <p:nvPr>
-            <p:extLst>
-              <p:ext uri="{386F3935-93C4-4BCD-93E2-E3B085C9AB24}">
-                <p16:designElem xmlns:p16="http://schemas.microsoft.com/office/powerpoint/2015/main" val="1"/>
-              </p:ext>
-            </p:extLst>
-          </p:nvPr>
-        </p:nvSpPr>
-        <p:spPr bwMode="gray">
-          <a:xfrm>
-            <a:off x="1" y="1762067"/>
-            <a:ext cx="12191695" cy="2802467"/>
-          </a:xfrm>
-          <a:custGeom>
-            <a:avLst/>
-            <a:gdLst/>
-            <a:ahLst/>
-            <a:cxnLst/>
-            <a:rect l="l" t="t" r="r" b="b"/>
-            <a:pathLst>
-              <a:path w="10000" h="8000">
-                <a:moveTo>
-                  <a:pt x="0" y="0"/>
-                </a:moveTo>
-                <a:lnTo>
-                  <a:pt x="0" y="7970"/>
-                </a:lnTo>
-                <a:lnTo>
-                  <a:pt x="10000" y="8000"/>
-                </a:lnTo>
-                <a:lnTo>
-                  <a:pt x="10000" y="7"/>
-                </a:lnTo>
-                <a:lnTo>
-                  <a:pt x="10000" y="7"/>
-                </a:lnTo>
-                <a:lnTo>
-                  <a:pt x="9773" y="156"/>
-                </a:lnTo>
-                <a:lnTo>
-                  <a:pt x="9547" y="298"/>
-                </a:lnTo>
-                <a:lnTo>
-                  <a:pt x="9320" y="437"/>
-                </a:lnTo>
-                <a:lnTo>
-                  <a:pt x="9092" y="556"/>
-                </a:lnTo>
-                <a:lnTo>
-                  <a:pt x="8865" y="676"/>
-                </a:lnTo>
-                <a:lnTo>
-                  <a:pt x="8637" y="788"/>
-                </a:lnTo>
-                <a:lnTo>
-                  <a:pt x="8412" y="884"/>
-                </a:lnTo>
-                <a:lnTo>
-                  <a:pt x="8184" y="975"/>
-                </a:lnTo>
-                <a:lnTo>
-                  <a:pt x="7957" y="1058"/>
-                </a:lnTo>
-                <a:lnTo>
-                  <a:pt x="7734" y="1130"/>
-                </a:lnTo>
-                <a:lnTo>
-                  <a:pt x="7508" y="1202"/>
-                </a:lnTo>
-                <a:lnTo>
-                  <a:pt x="7285" y="1262"/>
-                </a:lnTo>
-                <a:lnTo>
-                  <a:pt x="7062" y="1309"/>
-                </a:lnTo>
-                <a:lnTo>
-                  <a:pt x="6840" y="1358"/>
-                </a:lnTo>
-                <a:lnTo>
-                  <a:pt x="6620" y="1399"/>
-                </a:lnTo>
-                <a:lnTo>
-                  <a:pt x="6402" y="1428"/>
-                </a:lnTo>
-                <a:lnTo>
-                  <a:pt x="6184" y="1453"/>
-                </a:lnTo>
-                <a:lnTo>
-                  <a:pt x="5968" y="1477"/>
-                </a:lnTo>
-                <a:lnTo>
-                  <a:pt x="5755" y="1488"/>
-                </a:lnTo>
-                <a:lnTo>
-                  <a:pt x="5542" y="1500"/>
-                </a:lnTo>
-                <a:lnTo>
-                  <a:pt x="5332" y="1506"/>
-                </a:lnTo>
-                <a:lnTo>
-                  <a:pt x="5124" y="1500"/>
-                </a:lnTo>
-                <a:lnTo>
-                  <a:pt x="4918" y="1500"/>
-                </a:lnTo>
-                <a:lnTo>
-                  <a:pt x="4714" y="1488"/>
-                </a:lnTo>
-                <a:lnTo>
-                  <a:pt x="4514" y="1470"/>
-                </a:lnTo>
-                <a:lnTo>
-                  <a:pt x="4316" y="1453"/>
-                </a:lnTo>
-                <a:lnTo>
-                  <a:pt x="4122" y="1434"/>
-                </a:lnTo>
-                <a:lnTo>
-                  <a:pt x="3929" y="1405"/>
-                </a:lnTo>
-                <a:lnTo>
-                  <a:pt x="3739" y="1374"/>
-                </a:lnTo>
-                <a:lnTo>
-                  <a:pt x="3553" y="1346"/>
-                </a:lnTo>
-                <a:lnTo>
-                  <a:pt x="3190" y="1267"/>
-                </a:lnTo>
-                <a:lnTo>
-                  <a:pt x="2842" y="1183"/>
-                </a:lnTo>
-                <a:lnTo>
-                  <a:pt x="2508" y="1095"/>
-                </a:lnTo>
-                <a:lnTo>
-                  <a:pt x="2192" y="998"/>
-                </a:lnTo>
-                <a:lnTo>
-                  <a:pt x="1890" y="897"/>
-                </a:lnTo>
-                <a:lnTo>
-                  <a:pt x="1610" y="788"/>
-                </a:lnTo>
-                <a:lnTo>
-                  <a:pt x="1347" y="681"/>
-                </a:lnTo>
-                <a:lnTo>
-                  <a:pt x="1105" y="574"/>
-                </a:lnTo>
-                <a:lnTo>
-                  <a:pt x="883" y="473"/>
-                </a:lnTo>
-                <a:lnTo>
-                  <a:pt x="686" y="377"/>
-                </a:lnTo>
-                <a:lnTo>
-                  <a:pt x="508" y="286"/>
-                </a:lnTo>
-                <a:lnTo>
-                  <a:pt x="358" y="210"/>
-                </a:lnTo>
-                <a:lnTo>
-                  <a:pt x="232" y="138"/>
-                </a:lnTo>
-                <a:lnTo>
-                  <a:pt x="59" y="35"/>
-                </a:lnTo>
-                <a:lnTo>
-                  <a:pt x="0" y="0"/>
-                </a:lnTo>
-                <a:lnTo>
-                  <a:pt x="0" y="0"/>
-                </a:lnTo>
-                <a:close/>
-              </a:path>
-            </a:pathLst>
-          </a:custGeom>
-          <a:solidFill>
-            <a:srgbClr val="FFFFFF"/>
-          </a:solidFill>
-          <a:ln>
-            <a:noFill/>
-          </a:ln>
-        </p:spPr>
-      </p:sp>
       <p:pic>
         <p:nvPicPr>
-          <p:cNvPr id="5" name="Tijdelijke aanduiding voor inhoud 4"/>
+          <p:cNvPr id="20" name="Tijdelijke aanduiding voor inhoud 19"/>
           <p:cNvPicPr>
             <a:picLocks noGrp="1" noChangeAspect="1"/>
           </p:cNvPicPr>
@@ -9076,7 +8540,7 @@
             <p:ph sz="half" idx="2"/>
           </p:nvPr>
         </p:nvPicPr>
-        <p:blipFill>
+        <p:blipFill rotWithShape="1">
           <a:blip r:embed="rId7">
             <a:extLst>
               <a:ext uri="{28A0092B-C50C-407E-A947-70E740481C1C}">
@@ -9084,21 +8548,92 @@
               </a:ext>
             </a:extLst>
           </a:blip>
-          <a:stretch>
-            <a:fillRect/>
-          </a:stretch>
+          <a:srcRect t="6318" r="3" b="18574"/>
+          <a:stretch/>
         </p:blipFill>
         <p:spPr>
           <a:xfrm>
-            <a:off x="6091916" y="3384368"/>
-            <a:ext cx="5451627" cy="1989843"/>
+            <a:off x="6103423" y="-1"/>
+            <a:ext cx="6087038" cy="3428998"/>
           </a:xfrm>
           <a:prstGeom prst="rect">
             <a:avLst/>
           </a:prstGeom>
-          <a:effectLst/>
         </p:spPr>
       </p:pic>
+      <p:pic>
+        <p:nvPicPr>
+          <p:cNvPr id="21" name="Afbeelding 20"/>
+          <p:cNvPicPr>
+            <a:picLocks noChangeAspect="1"/>
+          </p:cNvPicPr>
+          <p:nvPr/>
+        </p:nvPicPr>
+        <p:blipFill rotWithShape="1">
+          <a:blip r:embed="rId8">
+            <a:extLst>
+              <a:ext uri="{28A0092B-C50C-407E-A947-70E740481C1C}">
+                <a14:useLocalDpi xmlns:a14="http://schemas.microsoft.com/office/drawing/2010/main" val="0"/>
+              </a:ext>
+            </a:extLst>
+          </a:blip>
+          <a:srcRect t="5722" r="3" b="19179"/>
+          <a:stretch/>
+        </p:blipFill>
+        <p:spPr>
+          <a:xfrm>
+            <a:off x="6103423" y="3428999"/>
+            <a:ext cx="6087038" cy="3428540"/>
+          </a:xfrm>
+          <a:prstGeom prst="rect">
+            <a:avLst/>
+          </a:prstGeom>
+        </p:spPr>
+      </p:pic>
+      <p:sp>
+        <p:nvSpPr>
+          <p:cNvPr id="41" name="Rectangle 40"/>
+          <p:cNvSpPr>
+            <a:spLocks noGrp="1" noRot="1" noChangeAspect="1" noMove="1" noResize="1" noEditPoints="1" noAdjustHandles="1" noChangeArrowheads="1" noChangeShapeType="1" noTextEdit="1"/>
+          </p:cNvSpPr>
+          <p:nvPr>
+            <p:extLst>
+              <p:ext uri="{386F3935-93C4-4BCD-93E2-E3B085C9AB24}">
+                <p16:designElem xmlns:p16="http://schemas.microsoft.com/office/powerpoint/2015/main" val="1"/>
+              </p:ext>
+            </p:extLst>
+          </p:nvPr>
+        </p:nvSpPr>
+        <p:spPr>
+          <a:xfrm>
+            <a:off x="10437812" y="0"/>
+            <a:ext cx="685800" cy="1143000"/>
+          </a:xfrm>
+          <a:prstGeom prst="rect">
+            <a:avLst/>
+          </a:prstGeom>
+          <a:solidFill>
+            <a:schemeClr val="accent1"/>
+          </a:solidFill>
+          <a:ln>
+            <a:noFill/>
+          </a:ln>
+        </p:spPr>
+        <p:style>
+          <a:lnRef idx="1">
+            <a:schemeClr val="accent1"/>
+          </a:lnRef>
+          <a:fillRef idx="3">
+            <a:schemeClr val="accent1"/>
+          </a:fillRef>
+          <a:effectRef idx="2">
+            <a:schemeClr val="accent1"/>
+          </a:effectRef>
+          <a:fontRef idx="minor">
+            <a:schemeClr val="lt1"/>
+          </a:fontRef>
+        </p:style>
+      </p:sp>
       <p:sp>
         <p:nvSpPr>
           <p:cNvPr id="2" name="Titel 1"/>
@@ -9111,8 +8646,8 @@
         </p:nvSpPr>
         <p:spPr>
           <a:xfrm>
-            <a:off x="648930" y="629267"/>
-            <a:ext cx="9252154" cy="1016654"/>
+            <a:off x="647701" y="452718"/>
+            <a:ext cx="4765226" cy="1400530"/>
           </a:xfrm>
         </p:spPr>
         <p:txBody>
@@ -9140,8 +8675,8 @@
         </p:nvSpPr>
         <p:spPr>
           <a:xfrm>
-            <a:off x="648931" y="2548281"/>
-            <a:ext cx="5122606" cy="3658689"/>
+            <a:off x="647701" y="2052918"/>
+            <a:ext cx="4764245" cy="4195481"/>
           </a:xfrm>
         </p:spPr>
         <p:txBody>
@@ -9151,11 +8686,7 @@
           <a:lstStyle/>
           <a:p>
             <a:r>
-              <a:rPr lang="en-US">
-                <a:solidFill>
-                  <a:schemeClr val="bg1"/>
-                </a:solidFill>
-              </a:rPr>
+              <a:rPr lang="en-US"/>
               <a:t>Sebastiaan</a:t>
             </a:r>
           </a:p>
@@ -9165,6 +8696,190 @@
     <p:extLst>
       <p:ext uri="{BB962C8B-B14F-4D97-AF65-F5344CB8AC3E}">
         <p14:creationId xmlns:p14="http://schemas.microsoft.com/office/powerpoint/2010/main" val="3448665125"/>
+      </p:ext>
+    </p:extLst>
+  </p:cSld>
+  <p:clrMapOvr>
+    <a:masterClrMapping/>
+  </p:clrMapOvr>
+</p:sld>
+</file>
+
+<file path=ppt/slides/slide8.xml><?xml version="1.0" encoding="utf-8"?>
+<p:sld xmlns:a="http://schemas.openxmlformats.org/drawingml/2006/main" xmlns:r="http://schemas.openxmlformats.org/officeDocument/2006/relationships" xmlns:p="http://schemas.openxmlformats.org/presentationml/2006/main">
+  <p:cSld>
+    <p:spTree>
+      <p:nvGrpSpPr>
+        <p:cNvPr id="1" name=""/>
+        <p:cNvGrpSpPr/>
+        <p:nvPr/>
+      </p:nvGrpSpPr>
+      <p:grpSpPr>
+        <a:xfrm>
+          <a:off x="0" y="0"/>
+          <a:ext cx="0" cy="0"/>
+          <a:chOff x="0" y="0"/>
+          <a:chExt cx="0" cy="0"/>
+        </a:xfrm>
+      </p:grpSpPr>
+      <p:pic>
+        <p:nvPicPr>
+          <p:cNvPr id="7" name="Tijdelijke aanduiding voor inhoud 4"/>
+          <p:cNvPicPr>
+            <a:picLocks noChangeAspect="1"/>
+          </p:cNvPicPr>
+          <p:nvPr/>
+        </p:nvPicPr>
+        <p:blipFill rotWithShape="1">
+          <a:blip r:embed="rId2"/>
+          <a:srcRect l="18580" r="19411"/>
+          <a:stretch/>
+        </p:blipFill>
+        <p:spPr>
+          <a:xfrm>
+            <a:off x="4634680" y="10"/>
+            <a:ext cx="7560130" cy="6857990"/>
+          </a:xfrm>
+          <a:prstGeom prst="rect">
+            <a:avLst/>
+          </a:prstGeom>
+        </p:spPr>
+      </p:pic>
+      <p:sp>
+        <p:nvSpPr>
+          <p:cNvPr id="12" name="Rectangle 11"/>
+          <p:cNvSpPr>
+            <a:spLocks noGrp="1" noRot="1" noChangeAspect="1" noMove="1" noResize="1" noEditPoints="1" noAdjustHandles="1" noChangeArrowheads="1" noChangeShapeType="1" noTextEdit="1"/>
+          </p:cNvSpPr>
+          <p:nvPr>
+            <p:extLst>
+              <p:ext uri="{386F3935-93C4-4BCD-93E2-E3B085C9AB24}">
+                <p16:designElem xmlns:p16="http://schemas.microsoft.com/office/powerpoint/2015/main" val="1"/>
+              </p:ext>
+            </p:extLst>
+          </p:nvPr>
+        </p:nvSpPr>
+        <p:spPr>
+          <a:xfrm>
+            <a:off x="10437812" y="0"/>
+            <a:ext cx="685800" cy="1143000"/>
+          </a:xfrm>
+          <a:prstGeom prst="rect">
+            <a:avLst/>
+          </a:prstGeom>
+          <a:solidFill>
+            <a:schemeClr val="accent1"/>
+          </a:solidFill>
+          <a:ln>
+            <a:noFill/>
+          </a:ln>
+        </p:spPr>
+        <p:style>
+          <a:lnRef idx="1">
+            <a:schemeClr val="accent1"/>
+          </a:lnRef>
+          <a:fillRef idx="3">
+            <a:schemeClr val="accent1"/>
+          </a:fillRef>
+          <a:effectRef idx="2">
+            <a:schemeClr val="accent1"/>
+          </a:effectRef>
+          <a:fontRef idx="minor">
+            <a:schemeClr val="lt1"/>
+          </a:fontRef>
+        </p:style>
+      </p:sp>
+      <p:sp>
+        <p:nvSpPr>
+          <p:cNvPr id="2" name="Titel 1"/>
+          <p:cNvSpPr>
+            <a:spLocks noGrp="1"/>
+          </p:cNvSpPr>
+          <p:nvPr>
+            <p:ph type="title"/>
+          </p:nvPr>
+        </p:nvSpPr>
+        <p:spPr>
+          <a:xfrm>
+            <a:off x="650669" y="629266"/>
+            <a:ext cx="3330328" cy="1641986"/>
+          </a:xfrm>
+        </p:spPr>
+        <p:txBody>
+          <a:bodyPr>
+            <a:normAutofit/>
+          </a:bodyPr>
+          <a:lstStyle/>
+          <a:p>
+            <a:r>
+              <a:rPr lang="nl-NL" sz="3900"/>
+              <a:t>Environment</a:t>
+            </a:r>
+          </a:p>
+        </p:txBody>
+      </p:sp>
+      <p:sp>
+        <p:nvSpPr>
+          <p:cNvPr id="9" name="Content Placeholder 8"/>
+          <p:cNvSpPr>
+            <a:spLocks noGrp="1"/>
+          </p:cNvSpPr>
+          <p:nvPr>
+            <p:ph idx="1"/>
+          </p:nvPr>
+        </p:nvSpPr>
+        <p:spPr>
+          <a:xfrm>
+            <a:off x="650669" y="2438400"/>
+            <a:ext cx="3330328" cy="3809999"/>
+          </a:xfrm>
+        </p:spPr>
+        <p:txBody>
+          <a:bodyPr>
+            <a:normAutofit/>
+          </a:bodyPr>
+          <a:lstStyle/>
+          <a:p>
+            <a:r>
+              <a:rPr lang="en-US" dirty="0" err="1"/>
+              <a:t>Kleuren</a:t>
+            </a:r>
+            <a:r>
+              <a:rPr lang="en-US" dirty="0"/>
+              <a:t> </a:t>
+            </a:r>
+            <a:r>
+              <a:rPr lang="en-US" dirty="0" err="1"/>
+              <a:t>matchen</a:t>
+            </a:r>
+            <a:r>
+              <a:rPr lang="en-US" dirty="0"/>
+              <a:t> met de </a:t>
+            </a:r>
+            <a:r>
+              <a:rPr lang="en-US" dirty="0" err="1"/>
+              <a:t>wapens</a:t>
+            </a:r>
+            <a:endParaRPr lang="en-US" dirty="0"/>
+          </a:p>
+          <a:p>
+            <a:r>
+              <a:rPr lang="en-US" dirty="0"/>
+              <a:t>Sci-Fi wasteland</a:t>
+            </a:r>
+          </a:p>
+          <a:p>
+            <a:endParaRPr lang="en-US" dirty="0"/>
+          </a:p>
+          <a:p>
+            <a:endParaRPr lang="en-US" dirty="0"/>
+          </a:p>
+        </p:txBody>
+      </p:sp>
+    </p:spTree>
+    <p:extLst>
+      <p:ext uri="{BB962C8B-B14F-4D97-AF65-F5344CB8AC3E}">
+        <p14:creationId xmlns:p14="http://schemas.microsoft.com/office/powerpoint/2010/main" val="519457632"/>
       </p:ext>
     </p:extLst>
   </p:cSld>

--- a/Source/INFINITY-Presentatie.pptx
+++ b/Source/INFINITY-Presentatie.pptx
@@ -8,12 +8,13 @@
     <p:sldId id="256" r:id="rId2"/>
     <p:sldId id="257" r:id="rId3"/>
     <p:sldId id="258" r:id="rId4"/>
-    <p:sldId id="259" r:id="rId5"/>
-    <p:sldId id="261" r:id="rId6"/>
-    <p:sldId id="262" r:id="rId7"/>
-    <p:sldId id="263" r:id="rId8"/>
-    <p:sldId id="265" r:id="rId9"/>
-    <p:sldId id="264" r:id="rId10"/>
+    <p:sldId id="266" r:id="rId5"/>
+    <p:sldId id="259" r:id="rId6"/>
+    <p:sldId id="261" r:id="rId7"/>
+    <p:sldId id="262" r:id="rId8"/>
+    <p:sldId id="263" r:id="rId9"/>
+    <p:sldId id="265" r:id="rId10"/>
+    <p:sldId id="264" r:id="rId11"/>
   </p:sldIdLst>
   <p:sldSz cx="12192000" cy="6858000"/>
   <p:notesSz cx="6858000" cy="9144000"/>
@@ -6240,6 +6241,179 @@
 </p:sld>
 </file>
 
+<file path=ppt/slides/slide10.xml><?xml version="1.0" encoding="utf-8"?>
+<p:sld xmlns:a="http://schemas.openxmlformats.org/drawingml/2006/main" xmlns:r="http://schemas.openxmlformats.org/officeDocument/2006/relationships" xmlns:p="http://schemas.openxmlformats.org/presentationml/2006/main">
+  <p:cSld>
+    <p:spTree>
+      <p:nvGrpSpPr>
+        <p:cNvPr id="1" name=""/>
+        <p:cNvGrpSpPr/>
+        <p:nvPr/>
+      </p:nvGrpSpPr>
+      <p:grpSpPr>
+        <a:xfrm>
+          <a:off x="0" y="0"/>
+          <a:ext cx="0" cy="0"/>
+          <a:chOff x="0" y="0"/>
+          <a:chExt cx="0" cy="0"/>
+        </a:xfrm>
+      </p:grpSpPr>
+      <p:pic>
+        <p:nvPicPr>
+          <p:cNvPr id="9" name="Tijdelijke aanduiding voor inhoud 6"/>
+          <p:cNvPicPr>
+            <a:picLocks noChangeAspect="1"/>
+          </p:cNvPicPr>
+          <p:nvPr/>
+        </p:nvPicPr>
+        <p:blipFill rotWithShape="1">
+          <a:blip r:embed="rId2"/>
+          <a:srcRect l="20360" r="17631"/>
+          <a:stretch/>
+        </p:blipFill>
+        <p:spPr>
+          <a:xfrm>
+            <a:off x="4634680" y="10"/>
+            <a:ext cx="7560130" cy="6857990"/>
+          </a:xfrm>
+          <a:prstGeom prst="rect">
+            <a:avLst/>
+          </a:prstGeom>
+        </p:spPr>
+      </p:pic>
+      <p:sp>
+        <p:nvSpPr>
+          <p:cNvPr id="14" name="Rectangle 13"/>
+          <p:cNvSpPr>
+            <a:spLocks noGrp="1" noRot="1" noChangeAspect="1" noMove="1" noResize="1" noEditPoints="1" noAdjustHandles="1" noChangeArrowheads="1" noChangeShapeType="1" noTextEdit="1"/>
+          </p:cNvSpPr>
+          <p:nvPr>
+            <p:extLst>
+              <p:ext uri="{386F3935-93C4-4BCD-93E2-E3B085C9AB24}">
+                <p16:designElem xmlns:p16="http://schemas.microsoft.com/office/powerpoint/2015/main" val="1"/>
+              </p:ext>
+            </p:extLst>
+          </p:nvPr>
+        </p:nvSpPr>
+        <p:spPr>
+          <a:xfrm>
+            <a:off x="10437812" y="0"/>
+            <a:ext cx="685800" cy="1143000"/>
+          </a:xfrm>
+          <a:prstGeom prst="rect">
+            <a:avLst/>
+          </a:prstGeom>
+          <a:solidFill>
+            <a:schemeClr val="accent1"/>
+          </a:solidFill>
+          <a:ln>
+            <a:noFill/>
+          </a:ln>
+        </p:spPr>
+        <p:style>
+          <a:lnRef idx="1">
+            <a:schemeClr val="accent1"/>
+          </a:lnRef>
+          <a:fillRef idx="3">
+            <a:schemeClr val="accent1"/>
+          </a:fillRef>
+          <a:effectRef idx="2">
+            <a:schemeClr val="accent1"/>
+          </a:effectRef>
+          <a:fontRef idx="minor">
+            <a:schemeClr val="lt1"/>
+          </a:fontRef>
+        </p:style>
+      </p:sp>
+      <p:sp>
+        <p:nvSpPr>
+          <p:cNvPr id="2" name="Titel 1"/>
+          <p:cNvSpPr>
+            <a:spLocks noGrp="1"/>
+          </p:cNvSpPr>
+          <p:nvPr>
+            <p:ph type="title"/>
+          </p:nvPr>
+        </p:nvSpPr>
+        <p:spPr>
+          <a:xfrm>
+            <a:off x="650669" y="629266"/>
+            <a:ext cx="3330328" cy="1641986"/>
+          </a:xfrm>
+        </p:spPr>
+        <p:txBody>
+          <a:bodyPr>
+            <a:normAutofit/>
+          </a:bodyPr>
+          <a:lstStyle/>
+          <a:p>
+            <a:r>
+              <a:rPr lang="nl-NL"/>
+              <a:t>Einde</a:t>
+            </a:r>
+            <a:endParaRPr lang="nl-NL" dirty="0"/>
+          </a:p>
+        </p:txBody>
+      </p:sp>
+      <p:sp>
+        <p:nvSpPr>
+          <p:cNvPr id="11" name="Content Placeholder 10"/>
+          <p:cNvSpPr>
+            <a:spLocks noGrp="1"/>
+          </p:cNvSpPr>
+          <p:nvPr>
+            <p:ph idx="1"/>
+          </p:nvPr>
+        </p:nvSpPr>
+        <p:spPr>
+          <a:xfrm>
+            <a:off x="650669" y="2438400"/>
+            <a:ext cx="3330328" cy="3809999"/>
+          </a:xfrm>
+        </p:spPr>
+        <p:txBody>
+          <a:bodyPr>
+            <a:normAutofit/>
+          </a:bodyPr>
+          <a:lstStyle/>
+          <a:p>
+            <a:r>
+              <a:rPr lang="en-US" dirty="0" err="1"/>
+              <a:t>Bedankt</a:t>
+            </a:r>
+            <a:r>
+              <a:rPr lang="en-US" dirty="0"/>
+              <a:t> </a:t>
+            </a:r>
+            <a:r>
+              <a:rPr lang="en-US" dirty="0" err="1"/>
+              <a:t>voor</a:t>
+            </a:r>
+            <a:r>
+              <a:rPr lang="en-US" dirty="0"/>
+              <a:t> het </a:t>
+            </a:r>
+            <a:r>
+              <a:rPr lang="en-US" dirty="0" err="1"/>
+              <a:t>luisteren</a:t>
+            </a:r>
+            <a:endParaRPr lang="en-US" dirty="0"/>
+          </a:p>
+        </p:txBody>
+      </p:sp>
+    </p:spTree>
+    <p:extLst>
+      <p:ext uri="{BB962C8B-B14F-4D97-AF65-F5344CB8AC3E}">
+        <p14:creationId xmlns:p14="http://schemas.microsoft.com/office/powerpoint/2010/main" val="708334349"/>
+      </p:ext>
+    </p:extLst>
+  </p:cSld>
+  <p:clrMapOvr>
+    <a:masterClrMapping/>
+  </p:clrMapOvr>
+</p:sld>
+</file>
+
 <file path=ppt/slides/slide2.xml><?xml version="1.0" encoding="utf-8"?>
 <p:sld xmlns:a="http://schemas.openxmlformats.org/drawingml/2006/main" xmlns:r="http://schemas.openxmlformats.org/officeDocument/2006/relationships" xmlns:p="http://schemas.openxmlformats.org/presentationml/2006/main">
   <p:cSld>
@@ -6303,6 +6477,12 @@
             <a:r>
               <a:rPr lang="nl-NL" dirty="0"/>
               <a:t>Styleguide</a:t>
+            </a:r>
+          </a:p>
+          <a:p>
+            <a:r>
+              <a:rPr lang="nl-NL" dirty="0"/>
+              <a:t>Logo</a:t>
             </a:r>
           </a:p>
           <a:p>
@@ -6612,412 +6792,7 @@
       </p:grpSpPr>
       <p:sp>
         <p:nvSpPr>
-          <p:cNvPr id="2" name="Titel 1"/>
-          <p:cNvSpPr>
-            <a:spLocks noGrp="1"/>
-          </p:cNvSpPr>
-          <p:nvPr>
-            <p:ph type="title"/>
-          </p:nvPr>
-        </p:nvSpPr>
-        <p:spPr/>
-        <p:txBody>
-          <a:bodyPr/>
-          <a:lstStyle/>
-          <a:p>
-            <a:r>
-              <a:rPr lang="nl-NL" dirty="0"/>
-              <a:t>Bedrijfsplan</a:t>
-            </a:r>
-          </a:p>
-        </p:txBody>
-      </p:sp>
-      <p:sp>
-        <p:nvSpPr>
-          <p:cNvPr id="3" name="Tijdelijke aanduiding voor inhoud 2"/>
-          <p:cNvSpPr>
-            <a:spLocks noGrp="1"/>
-          </p:cNvSpPr>
-          <p:nvPr>
-            <p:ph idx="1"/>
-          </p:nvPr>
-        </p:nvSpPr>
-        <p:spPr/>
-        <p:txBody>
-          <a:bodyPr/>
-          <a:lstStyle/>
-          <a:p>
-            <a:r>
-              <a:rPr lang="nl-NL" dirty="0"/>
-              <a:t>Naam </a:t>
-            </a:r>
-          </a:p>
-          <a:p>
-            <a:r>
-              <a:rPr lang="nl-NL" dirty="0"/>
-              <a:t>Kern</a:t>
-            </a:r>
-          </a:p>
-          <a:p>
-            <a:r>
-              <a:rPr lang="nl-NL" dirty="0"/>
-              <a:t>Doelgroepen</a:t>
-            </a:r>
-          </a:p>
-          <a:p>
-            <a:r>
-              <a:rPr lang="nl-NL" dirty="0"/>
-              <a:t>Wat bied </a:t>
-            </a:r>
-            <a:r>
-              <a:rPr lang="nl-NL" dirty="0" err="1"/>
-              <a:t>infinity</a:t>
-            </a:r>
-            <a:r>
-              <a:rPr lang="nl-NL" dirty="0"/>
-              <a:t>?</a:t>
-            </a:r>
-          </a:p>
-          <a:p>
-            <a:endParaRPr lang="nl-NL" dirty="0"/>
-          </a:p>
-        </p:txBody>
-      </p:sp>
-    </p:spTree>
-    <p:extLst>
-      <p:ext uri="{BB962C8B-B14F-4D97-AF65-F5344CB8AC3E}">
-        <p14:creationId xmlns:p14="http://schemas.microsoft.com/office/powerpoint/2010/main" val="3468859819"/>
-      </p:ext>
-    </p:extLst>
-  </p:cSld>
-  <p:clrMapOvr>
-    <a:masterClrMapping/>
-  </p:clrMapOvr>
-</p:sld>
-</file>
-
-<file path=ppt/slides/slide5.xml><?xml version="1.0" encoding="utf-8"?>
-<p:sld xmlns:a="http://schemas.openxmlformats.org/drawingml/2006/main" xmlns:r="http://schemas.openxmlformats.org/officeDocument/2006/relationships" xmlns:p="http://schemas.openxmlformats.org/presentationml/2006/main">
-  <p:cSld>
-    <p:spTree>
-      <p:nvGrpSpPr>
-        <p:cNvPr id="1" name=""/>
-        <p:cNvGrpSpPr/>
-        <p:nvPr/>
-      </p:nvGrpSpPr>
-      <p:grpSpPr>
-        <a:xfrm>
-          <a:off x="0" y="0"/>
-          <a:ext cx="0" cy="0"/>
-          <a:chOff x="0" y="0"/>
-          <a:chExt cx="0" cy="0"/>
-        </a:xfrm>
-      </p:grpSpPr>
-      <p:sp>
-        <p:nvSpPr>
-          <p:cNvPr id="46" name="Rectangle 33"/>
-          <p:cNvSpPr>
-            <a:spLocks noGrp="1" noRot="1" noChangeAspect="1" noMove="1" noResize="1" noEditPoints="1" noAdjustHandles="1" noChangeArrowheads="1" noChangeShapeType="1" noTextEdit="1"/>
-          </p:cNvSpPr>
-          <p:nvPr>
-            <p:extLst>
-              <p:ext uri="{386F3935-93C4-4BCD-93E2-E3B085C9AB24}">
-                <p16:designElem xmlns:p16="http://schemas.microsoft.com/office/powerpoint/2015/main" val="1"/>
-              </p:ext>
-            </p:extLst>
-          </p:nvPr>
-        </p:nvSpPr>
-        <p:spPr bwMode="white">
-          <a:xfrm>
-            <a:off x="0" y="0"/>
-            <a:ext cx="12192000" cy="6858000"/>
-          </a:xfrm>
-          <a:prstGeom prst="rect">
-            <a:avLst/>
-          </a:prstGeom>
-          <a:blipFill rotWithShape="1">
-            <a:blip r:embed="rId2">
-              <a:duotone>
-                <a:schemeClr val="bg2">
-                  <a:shade val="69000"/>
-                  <a:hueMod val="108000"/>
-                  <a:satMod val="164000"/>
-                  <a:lumMod val="74000"/>
-                </a:schemeClr>
-                <a:schemeClr val="bg2">
-                  <a:tint val="96000"/>
-                  <a:hueMod val="88000"/>
-                  <a:satMod val="140000"/>
-                  <a:lumMod val="132000"/>
-                </a:schemeClr>
-              </a:duotone>
-            </a:blip>
-            <a:stretch/>
-          </a:blipFill>
-          <a:ln>
-            <a:noFill/>
-          </a:ln>
-          <a:effectLst/>
-        </p:spPr>
-      </p:sp>
-      <p:pic>
-        <p:nvPicPr>
-          <p:cNvPr id="47" name="Picture 34"/>
-          <p:cNvPicPr>
-            <a:picLocks noGrp="1" noRot="1" noChangeAspect="1" noMove="1" noResize="1" noEditPoints="1" noAdjustHandles="1" noChangeArrowheads="1" noChangeShapeType="1" noCrop="1"/>
-          </p:cNvPicPr>
-          <p:nvPr>
-            <p:extLst>
-              <p:ext uri="{386F3935-93C4-4BCD-93E2-E3B085C9AB24}">
-                <p16:designElem xmlns:p16="http://schemas.microsoft.com/office/powerpoint/2015/main" val="1"/>
-              </p:ext>
-            </p:extLst>
-          </p:nvPr>
-        </p:nvPicPr>
-        <p:blipFill rotWithShape="1">
-          <a:blip r:embed="rId3">
-            <a:extLst>
-              <a:ext uri="{28A0092B-C50C-407E-A947-70E740481C1C}">
-                <a14:useLocalDpi xmlns:a14="http://schemas.microsoft.com/office/drawing/2010/main" val="0"/>
-              </a:ext>
-            </a:extLst>
-          </a:blip>
-          <a:srcRect l="3613"/>
-          <a:stretch/>
-        </p:blipFill>
-        <p:spPr>
-          <a:xfrm>
-            <a:off x="0" y="2669685"/>
-            <a:ext cx="4037012" cy="4188315"/>
-          </a:xfrm>
-          <a:prstGeom prst="rect">
-            <a:avLst/>
-          </a:prstGeom>
-        </p:spPr>
-      </p:pic>
-      <p:pic>
-        <p:nvPicPr>
-          <p:cNvPr id="48" name="Picture 35"/>
-          <p:cNvPicPr>
-            <a:picLocks noGrp="1" noRot="1" noChangeAspect="1" noMove="1" noResize="1" noEditPoints="1" noAdjustHandles="1" noChangeArrowheads="1" noChangeShapeType="1" noCrop="1"/>
-          </p:cNvPicPr>
-          <p:nvPr>
-            <p:extLst>
-              <p:ext uri="{386F3935-93C4-4BCD-93E2-E3B085C9AB24}">
-                <p16:designElem xmlns:p16="http://schemas.microsoft.com/office/powerpoint/2015/main" val="1"/>
-              </p:ext>
-            </p:extLst>
-          </p:nvPr>
-        </p:nvPicPr>
-        <p:blipFill rotWithShape="1">
-          <a:blip r:embed="rId4">
-            <a:extLst>
-              <a:ext uri="{28A0092B-C50C-407E-A947-70E740481C1C}">
-                <a14:useLocalDpi xmlns:a14="http://schemas.microsoft.com/office/drawing/2010/main" val="0"/>
-              </a:ext>
-            </a:extLst>
-          </a:blip>
-          <a:srcRect l="35640"/>
-          <a:stretch/>
-        </p:blipFill>
-        <p:spPr>
-          <a:xfrm>
-            <a:off x="0" y="2892347"/>
-            <a:ext cx="1522412" cy="2365453"/>
-          </a:xfrm>
-          <a:prstGeom prst="rect">
-            <a:avLst/>
-          </a:prstGeom>
-        </p:spPr>
-      </p:pic>
-      <p:sp>
-        <p:nvSpPr>
-          <p:cNvPr id="49" name="Oval 36"/>
-          <p:cNvSpPr>
-            <a:spLocks noGrp="1" noRot="1" noChangeAspect="1" noMove="1" noResize="1" noEditPoints="1" noAdjustHandles="1" noChangeArrowheads="1" noChangeShapeType="1" noTextEdit="1"/>
-          </p:cNvSpPr>
-          <p:nvPr>
-            <p:extLst>
-              <p:ext uri="{386F3935-93C4-4BCD-93E2-E3B085C9AB24}">
-                <p16:designElem xmlns:p16="http://schemas.microsoft.com/office/powerpoint/2015/main" val="1"/>
-              </p:ext>
-            </p:extLst>
-          </p:nvPr>
-        </p:nvSpPr>
-        <p:spPr>
-          <a:xfrm>
-            <a:off x="8609012" y="1676400"/>
-            <a:ext cx="2819400" cy="2819400"/>
-          </a:xfrm>
-          <a:prstGeom prst="ellipse">
-            <a:avLst/>
-          </a:prstGeom>
-          <a:gradFill flip="none" rotWithShape="1">
-            <a:gsLst>
-              <a:gs pos="0">
-                <a:schemeClr val="bg2">
-                  <a:lumMod val="60000"/>
-                  <a:lumOff val="40000"/>
-                  <a:alpha val="7000"/>
-                </a:schemeClr>
-              </a:gs>
-              <a:gs pos="69000">
-                <a:schemeClr val="bg2">
-                  <a:lumMod val="60000"/>
-                  <a:lumOff val="40000"/>
-                  <a:alpha val="0"/>
-                </a:schemeClr>
-              </a:gs>
-              <a:gs pos="36000">
-                <a:schemeClr val="bg2">
-                  <a:lumMod val="60000"/>
-                  <a:lumOff val="40000"/>
-                  <a:alpha val="6000"/>
-                </a:schemeClr>
-              </a:gs>
-            </a:gsLst>
-            <a:path path="circle">
-              <a:fillToRect l="50000" t="50000" r="50000" b="50000"/>
-            </a:path>
-            <a:tileRect/>
-          </a:gradFill>
-          <a:ln>
-            <a:noFill/>
-          </a:ln>
-          <a:effectLst/>
-        </p:spPr>
-        <p:style>
-          <a:lnRef idx="1">
-            <a:schemeClr val="accent1"/>
-          </a:lnRef>
-          <a:fillRef idx="3">
-            <a:schemeClr val="accent1"/>
-          </a:fillRef>
-          <a:effectRef idx="2">
-            <a:schemeClr val="accent1"/>
-          </a:effectRef>
-          <a:fontRef idx="minor">
-            <a:schemeClr val="lt1"/>
-          </a:fontRef>
-        </p:style>
-      </p:sp>
-      <p:pic>
-        <p:nvPicPr>
-          <p:cNvPr id="50" name="Picture 37"/>
-          <p:cNvPicPr>
-            <a:picLocks noGrp="1" noRot="1" noChangeAspect="1" noMove="1" noResize="1" noEditPoints="1" noAdjustHandles="1" noChangeArrowheads="1" noChangeShapeType="1" noCrop="1"/>
-          </p:cNvPicPr>
-          <p:nvPr>
-            <p:extLst>
-              <p:ext uri="{386F3935-93C4-4BCD-93E2-E3B085C9AB24}">
-                <p16:designElem xmlns:p16="http://schemas.microsoft.com/office/powerpoint/2015/main" val="1"/>
-              </p:ext>
-            </p:extLst>
-          </p:nvPr>
-        </p:nvPicPr>
-        <p:blipFill rotWithShape="1">
-          <a:blip r:embed="rId5">
-            <a:extLst>
-              <a:ext uri="{28A0092B-C50C-407E-A947-70E740481C1C}">
-                <a14:useLocalDpi xmlns:a14="http://schemas.microsoft.com/office/drawing/2010/main" val="0"/>
-              </a:ext>
-            </a:extLst>
-          </a:blip>
-          <a:srcRect t="28813"/>
-          <a:stretch/>
-        </p:blipFill>
-        <p:spPr>
-          <a:xfrm>
-            <a:off x="7999412" y="0"/>
-            <a:ext cx="1603387" cy="1141407"/>
-          </a:xfrm>
-          <a:prstGeom prst="rect">
-            <a:avLst/>
-          </a:prstGeom>
-        </p:spPr>
-      </p:pic>
-      <p:pic>
-        <p:nvPicPr>
-          <p:cNvPr id="51" name="Picture 38"/>
-          <p:cNvPicPr>
-            <a:picLocks noGrp="1" noRot="1" noChangeAspect="1" noMove="1" noResize="1" noEditPoints="1" noAdjustHandles="1" noChangeArrowheads="1" noChangeShapeType="1" noCrop="1"/>
-          </p:cNvPicPr>
-          <p:nvPr>
-            <p:extLst>
-              <p:ext uri="{386F3935-93C4-4BCD-93E2-E3B085C9AB24}">
-                <p16:designElem xmlns:p16="http://schemas.microsoft.com/office/powerpoint/2015/main" val="1"/>
-              </p:ext>
-            </p:extLst>
-          </p:nvPr>
-        </p:nvPicPr>
-        <p:blipFill rotWithShape="1">
-          <a:blip r:embed="rId6">
-            <a:extLst>
-              <a:ext uri="{28A0092B-C50C-407E-A947-70E740481C1C}">
-                <a14:useLocalDpi xmlns:a14="http://schemas.microsoft.com/office/drawing/2010/main" val="0"/>
-              </a:ext>
-            </a:extLst>
-          </a:blip>
-          <a:srcRect b="23320"/>
-          <a:stretch/>
-        </p:blipFill>
-        <p:spPr>
-          <a:xfrm>
-            <a:off x="8605878" y="6096000"/>
-            <a:ext cx="993734" cy="762000"/>
-          </a:xfrm>
-          <a:prstGeom prst="rect">
-            <a:avLst/>
-          </a:prstGeom>
-        </p:spPr>
-      </p:pic>
-      <p:sp>
-        <p:nvSpPr>
-          <p:cNvPr id="52" name="Rectangle 39"/>
-          <p:cNvSpPr>
-            <a:spLocks noGrp="1" noRot="1" noChangeAspect="1" noMove="1" noResize="1" noEditPoints="1" noAdjustHandles="1" noChangeArrowheads="1" noChangeShapeType="1" noTextEdit="1"/>
-          </p:cNvSpPr>
-          <p:nvPr>
-            <p:extLst>
-              <p:ext uri="{386F3935-93C4-4BCD-93E2-E3B085C9AB24}">
-                <p16:designElem xmlns:p16="http://schemas.microsoft.com/office/powerpoint/2015/main" val="1"/>
-              </p:ext>
-            </p:extLst>
-          </p:nvPr>
-        </p:nvSpPr>
-        <p:spPr>
-          <a:xfrm>
-            <a:off x="10437812" y="0"/>
-            <a:ext cx="685800" cy="1143000"/>
-          </a:xfrm>
-          <a:prstGeom prst="rect">
-            <a:avLst/>
-          </a:prstGeom>
-          <a:solidFill>
-            <a:schemeClr val="accent1"/>
-          </a:solidFill>
-          <a:ln>
-            <a:noFill/>
-          </a:ln>
-        </p:spPr>
-        <p:style>
-          <a:lnRef idx="1">
-            <a:schemeClr val="accent1"/>
-          </a:lnRef>
-          <a:fillRef idx="3">
-            <a:schemeClr val="accent1"/>
-          </a:fillRef>
-          <a:effectRef idx="2">
-            <a:schemeClr val="accent1"/>
-          </a:effectRef>
-          <a:fontRef idx="minor">
-            <a:schemeClr val="lt1"/>
-          </a:fontRef>
-        </p:style>
-      </p:sp>
-      <p:sp>
-        <p:nvSpPr>
-          <p:cNvPr id="53" name="Rectangle 40"/>
+          <p:cNvPr id="11" name="Rectangle 10"/>
           <p:cNvSpPr>
             <a:spLocks noGrp="1" noRot="1" noChangeAspect="1" noMove="1" noResize="1" noEditPoints="1" noAdjustHandles="1" noChangeArrowheads="1" noChangeShapeType="1" noTextEdit="1"/>
           </p:cNvSpPr>
@@ -7071,7 +6846,7 @@
       </p:sp>
       <p:sp>
         <p:nvSpPr>
-          <p:cNvPr id="54" name="Rectangle 41"/>
+          <p:cNvPr id="12" name="Rectangle 11"/>
           <p:cNvSpPr>
             <a:spLocks noGrp="1" noRot="1" noChangeAspect="1" noMove="1" noResize="1" noEditPoints="1" noAdjustHandles="1" noChangeArrowheads="1" noChangeShapeType="1" noTextEdit="1"/>
           </p:cNvSpPr>
@@ -7115,7 +6890,7 @@
       </p:sp>
       <p:sp>
         <p:nvSpPr>
-          <p:cNvPr id="55" name="Freeform 23"/>
+          <p:cNvPr id="13" name="Freeform 11"/>
           <p:cNvSpPr>
             <a:spLocks noGrp="1" noRot="1" noChangeAspect="1" noMove="1" noResize="1" noEditPoints="1" noAdjustHandles="1" noChangeArrowheads="1" noChangeShapeType="1" noTextEdit="1"/>
           </p:cNvSpPr>
@@ -7458,7 +7233,7 @@
       </p:sp>
       <p:sp>
         <p:nvSpPr>
-          <p:cNvPr id="56" name="Freeform 5"/>
+          <p:cNvPr id="14" name="Freeform 5"/>
           <p:cNvSpPr>
             <a:spLocks noGrp="1" noRot="1" noChangeAspect="1" noMove="1" noResize="1" noEditPoints="1" noAdjustHandles="1" noChangeArrowheads="1" noChangeShapeType="1" noTextEdit="1"/>
           </p:cNvSpPr>
@@ -7650,28 +7425,22 @@
       </p:sp>
       <p:pic>
         <p:nvPicPr>
-          <p:cNvPr id="5" name="Afbeelding 4"/>
+          <p:cNvPr id="6" name="Tijdelijke aanduiding voor inhoud 3"/>
           <p:cNvPicPr>
             <a:picLocks noChangeAspect="1"/>
           </p:cNvPicPr>
           <p:nvPr/>
         </p:nvPicPr>
         <p:blipFill>
-          <a:blip r:embed="rId7">
-            <a:extLst>
-              <a:ext uri="{28A0092B-C50C-407E-A947-70E740481C1C}">
-                <a14:useLocalDpi xmlns:a14="http://schemas.microsoft.com/office/drawing/2010/main" val="0"/>
-              </a:ext>
-            </a:extLst>
-          </a:blip>
+          <a:blip r:embed="rId2"/>
           <a:stretch>
             <a:fillRect/>
           </a:stretch>
         </p:blipFill>
         <p:spPr>
           <a:xfrm>
-            <a:off x="5410883" y="1447799"/>
-            <a:ext cx="2423160" cy="4572001"/>
+            <a:off x="5076654" y="1447799"/>
+            <a:ext cx="6439441" cy="4572001"/>
           </a:xfrm>
           <a:prstGeom prst="rect">
             <a:avLst/>
@@ -7679,39 +7448,6 @@
           <a:effectLst/>
         </p:spPr>
       </p:pic>
-      <p:pic>
-        <p:nvPicPr>
-          <p:cNvPr id="8" name="Tijdelijke aanduiding voor inhoud 7"/>
-          <p:cNvPicPr>
-            <a:picLocks noGrp="1" noChangeAspect="1"/>
-          </p:cNvPicPr>
-          <p:nvPr>
-            <p:ph sz="half" idx="2"/>
-          </p:nvPr>
-        </p:nvPicPr>
-        <p:blipFill>
-          <a:blip r:embed="rId8">
-            <a:extLst>
-              <a:ext uri="{28A0092B-C50C-407E-A947-70E740481C1C}">
-                <a14:useLocalDpi xmlns:a14="http://schemas.microsoft.com/office/drawing/2010/main" val="0"/>
-              </a:ext>
-            </a:extLst>
-          </a:blip>
-          <a:stretch>
-            <a:fillRect/>
-          </a:stretch>
-        </p:blipFill>
-        <p:spPr>
-          <a:xfrm>
-            <a:off x="8394091" y="2624122"/>
-            <a:ext cx="3148022" cy="2219355"/>
-          </a:xfrm>
-          <a:prstGeom prst="rect">
-            <a:avLst/>
-          </a:prstGeom>
-          <a:effectLst/>
-        </p:spPr>
-      </p:pic>
       <p:sp>
         <p:nvSpPr>
           <p:cNvPr id="2" name="Titel 1"/>
@@ -7724,56 +7460,156 @@
         </p:nvSpPr>
         <p:spPr>
           <a:xfrm>
-            <a:off x="646111" y="1447799"/>
-            <a:ext cx="3105075" cy="1444750"/>
-          </a:xfrm>
-        </p:spPr>
-        <p:txBody>
-          <a:bodyPr vert="horz" lIns="91440" tIns="45720" rIns="91440" bIns="45720" rtlCol="0" anchor="b">
+            <a:off x="568080" y="690214"/>
+            <a:ext cx="4303875" cy="2000251"/>
+          </a:xfrm>
+        </p:spPr>
+        <p:txBody>
+          <a:bodyPr anchor="b">
             <a:normAutofit/>
           </a:bodyPr>
           <a:lstStyle/>
           <a:p>
             <a:r>
-              <a:rPr lang="en-US" sz="3200"/>
-              <a:t>Wapens</a:t>
-            </a:r>
-          </a:p>
-        </p:txBody>
-      </p:sp>
-      <p:sp>
-        <p:nvSpPr>
-          <p:cNvPr id="3" name="Tijdelijke aanduiding voor inhoud 2"/>
-          <p:cNvSpPr>
-            <a:spLocks noGrp="1"/>
-          </p:cNvSpPr>
-          <p:nvPr>
-            <p:ph sz="half" idx="1"/>
-          </p:nvPr>
-        </p:nvSpPr>
-        <p:spPr>
-          <a:xfrm>
-            <a:off x="646111" y="3088493"/>
-            <a:ext cx="3104751" cy="2931307"/>
-          </a:xfrm>
-        </p:spPr>
-        <p:txBody>
-          <a:bodyPr vert="horz" lIns="91440" tIns="45720" rIns="91440" bIns="45720" rtlCol="0">
+              <a:rPr lang="nl-NL" sz="4000" dirty="0"/>
+              <a:t>Logo</a:t>
+            </a:r>
+          </a:p>
+        </p:txBody>
+      </p:sp>
+      <p:sp>
+        <p:nvSpPr>
+          <p:cNvPr id="8" name="Content Placeholder 7"/>
+          <p:cNvSpPr>
+            <a:spLocks noGrp="1"/>
+          </p:cNvSpPr>
+          <p:nvPr>
+            <p:ph idx="1"/>
+          </p:nvPr>
+        </p:nvSpPr>
+        <p:spPr>
+          <a:xfrm>
+            <a:off x="643855" y="3072385"/>
+            <a:ext cx="3108057" cy="2947415"/>
+          </a:xfrm>
+        </p:spPr>
+        <p:txBody>
+          <a:bodyPr>
             <a:normAutofit/>
           </a:bodyPr>
           <a:lstStyle/>
           <a:p>
-            <a:r>
-              <a:rPr lang="en-US" sz="1600"/>
-              <a:t>Thomas</a:t>
-            </a:r>
+            <a:endParaRPr lang="en-US" sz="1400"/>
           </a:p>
         </p:txBody>
       </p:sp>
     </p:spTree>
     <p:extLst>
       <p:ext uri="{BB962C8B-B14F-4D97-AF65-F5344CB8AC3E}">
-        <p14:creationId xmlns:p14="http://schemas.microsoft.com/office/powerpoint/2010/main" val="2943433658"/>
+        <p14:creationId xmlns:p14="http://schemas.microsoft.com/office/powerpoint/2010/main" val="3285663865"/>
+      </p:ext>
+    </p:extLst>
+  </p:cSld>
+  <p:clrMapOvr>
+    <a:masterClrMapping/>
+  </p:clrMapOvr>
+</p:sld>
+</file>
+
+<file path=ppt/slides/slide5.xml><?xml version="1.0" encoding="utf-8"?>
+<p:sld xmlns:a="http://schemas.openxmlformats.org/drawingml/2006/main" xmlns:r="http://schemas.openxmlformats.org/officeDocument/2006/relationships" xmlns:p="http://schemas.openxmlformats.org/presentationml/2006/main">
+  <p:cSld>
+    <p:spTree>
+      <p:nvGrpSpPr>
+        <p:cNvPr id="1" name=""/>
+        <p:cNvGrpSpPr/>
+        <p:nvPr/>
+      </p:nvGrpSpPr>
+      <p:grpSpPr>
+        <a:xfrm>
+          <a:off x="0" y="0"/>
+          <a:ext cx="0" cy="0"/>
+          <a:chOff x="0" y="0"/>
+          <a:chExt cx="0" cy="0"/>
+        </a:xfrm>
+      </p:grpSpPr>
+      <p:sp>
+        <p:nvSpPr>
+          <p:cNvPr id="2" name="Titel 1"/>
+          <p:cNvSpPr>
+            <a:spLocks noGrp="1"/>
+          </p:cNvSpPr>
+          <p:nvPr>
+            <p:ph type="title"/>
+          </p:nvPr>
+        </p:nvSpPr>
+        <p:spPr/>
+        <p:txBody>
+          <a:bodyPr/>
+          <a:lstStyle/>
+          <a:p>
+            <a:r>
+              <a:rPr lang="nl-NL" dirty="0"/>
+              <a:t>Bedrijfsplan</a:t>
+            </a:r>
+          </a:p>
+        </p:txBody>
+      </p:sp>
+      <p:sp>
+        <p:nvSpPr>
+          <p:cNvPr id="3" name="Tijdelijke aanduiding voor inhoud 2"/>
+          <p:cNvSpPr>
+            <a:spLocks noGrp="1"/>
+          </p:cNvSpPr>
+          <p:nvPr>
+            <p:ph idx="1"/>
+          </p:nvPr>
+        </p:nvSpPr>
+        <p:spPr/>
+        <p:txBody>
+          <a:bodyPr/>
+          <a:lstStyle/>
+          <a:p>
+            <a:r>
+              <a:rPr lang="nl-NL" dirty="0"/>
+              <a:t>Naam </a:t>
+            </a:r>
+          </a:p>
+          <a:p>
+            <a:r>
+              <a:rPr lang="nl-NL" dirty="0"/>
+              <a:t>Kern</a:t>
+            </a:r>
+          </a:p>
+          <a:p>
+            <a:r>
+              <a:rPr lang="nl-NL" dirty="0"/>
+              <a:t>Doelgroepen</a:t>
+            </a:r>
+          </a:p>
+          <a:p>
+            <a:r>
+              <a:rPr lang="nl-NL" dirty="0"/>
+              <a:t>Wat bied </a:t>
+            </a:r>
+            <a:r>
+              <a:rPr lang="nl-NL" dirty="0" err="1"/>
+              <a:t>infinity</a:t>
+            </a:r>
+            <a:r>
+              <a:rPr lang="nl-NL" dirty="0"/>
+              <a:t>?</a:t>
+            </a:r>
+          </a:p>
+          <a:p>
+            <a:endParaRPr lang="nl-NL" dirty="0"/>
+          </a:p>
+        </p:txBody>
+      </p:sp>
+    </p:spTree>
+    <p:extLst>
+      <p:ext uri="{BB962C8B-B14F-4D97-AF65-F5344CB8AC3E}">
+        <p14:creationId xmlns:p14="http://schemas.microsoft.com/office/powerpoint/2010/main" val="3468859819"/>
       </p:ext>
     </p:extLst>
   </p:cSld>
@@ -7802,7 +7638,7 @@
       </p:grpSpPr>
       <p:sp>
         <p:nvSpPr>
-          <p:cNvPr id="17" name="Rectangle 16"/>
+          <p:cNvPr id="46" name="Rectangle 33"/>
           <p:cNvSpPr>
             <a:spLocks noGrp="1" noRot="1" noChangeAspect="1" noMove="1" noResize="1" noEditPoints="1" noAdjustHandles="1" noChangeArrowheads="1" noChangeShapeType="1" noTextEdit="1"/>
           </p:cNvSpPr>
@@ -7849,7 +7685,7 @@
       </p:sp>
       <p:pic>
         <p:nvPicPr>
-          <p:cNvPr id="18" name="Picture 17"/>
+          <p:cNvPr id="47" name="Picture 34"/>
           <p:cNvPicPr>
             <a:picLocks noGrp="1" noRot="1" noChangeAspect="1" noMove="1" noResize="1" noEditPoints="1" noAdjustHandles="1" noChangeArrowheads="1" noChangeShapeType="1" noCrop="1"/>
           </p:cNvPicPr>
@@ -7884,7 +7720,7 @@
       </p:pic>
       <p:pic>
         <p:nvPicPr>
-          <p:cNvPr id="19" name="Picture 18"/>
+          <p:cNvPr id="48" name="Picture 35"/>
           <p:cNvPicPr>
             <a:picLocks noGrp="1" noRot="1" noChangeAspect="1" noMove="1" noResize="1" noEditPoints="1" noAdjustHandles="1" noChangeArrowheads="1" noChangeShapeType="1" noCrop="1"/>
           </p:cNvPicPr>
@@ -7919,7 +7755,7 @@
       </p:pic>
       <p:sp>
         <p:nvSpPr>
-          <p:cNvPr id="20" name="Oval 19"/>
+          <p:cNvPr id="49" name="Oval 36"/>
           <p:cNvSpPr>
             <a:spLocks noGrp="1" noRot="1" noChangeAspect="1" noMove="1" noResize="1" noEditPoints="1" noAdjustHandles="1" noChangeArrowheads="1" noChangeShapeType="1" noTextEdit="1"/>
           </p:cNvSpPr>
@@ -7990,7 +7826,7 @@
       </p:sp>
       <p:pic>
         <p:nvPicPr>
-          <p:cNvPr id="21" name="Picture 20"/>
+          <p:cNvPr id="50" name="Picture 37"/>
           <p:cNvPicPr>
             <a:picLocks noGrp="1" noRot="1" noChangeAspect="1" noMove="1" noResize="1" noEditPoints="1" noAdjustHandles="1" noChangeArrowheads="1" noChangeShapeType="1" noCrop="1"/>
           </p:cNvPicPr>
@@ -8025,7 +7861,7 @@
       </p:pic>
       <p:pic>
         <p:nvPicPr>
-          <p:cNvPr id="22" name="Picture 21"/>
+          <p:cNvPr id="51" name="Picture 38"/>
           <p:cNvPicPr>
             <a:picLocks noGrp="1" noRot="1" noChangeAspect="1" noMove="1" noResize="1" noEditPoints="1" noAdjustHandles="1" noChangeArrowheads="1" noChangeShapeType="1" noCrop="1"/>
           </p:cNvPicPr>
@@ -8060,7 +7896,7 @@
       </p:pic>
       <p:sp>
         <p:nvSpPr>
-          <p:cNvPr id="23" name="Rectangle 22"/>
+          <p:cNvPr id="52" name="Rectangle 39"/>
           <p:cNvSpPr>
             <a:spLocks noGrp="1" noRot="1" noChangeAspect="1" noMove="1" noResize="1" noEditPoints="1" noAdjustHandles="1" noChangeArrowheads="1" noChangeShapeType="1" noTextEdit="1"/>
           </p:cNvSpPr>
@@ -8102,17 +7938,648 @@
           </a:fontRef>
         </p:style>
       </p:sp>
+      <p:sp>
+        <p:nvSpPr>
+          <p:cNvPr id="53" name="Rectangle 40"/>
+          <p:cNvSpPr>
+            <a:spLocks noGrp="1" noRot="1" noChangeAspect="1" noMove="1" noResize="1" noEditPoints="1" noAdjustHandles="1" noChangeArrowheads="1" noChangeShapeType="1" noTextEdit="1"/>
+          </p:cNvSpPr>
+          <p:nvPr>
+            <p:extLst>
+              <p:ext uri="{386F3935-93C4-4BCD-93E2-E3B085C9AB24}">
+                <p16:designElem xmlns:p16="http://schemas.microsoft.com/office/powerpoint/2015/main" val="1"/>
+              </p:ext>
+            </p:extLst>
+          </p:nvPr>
+        </p:nvSpPr>
+        <p:spPr>
+          <a:xfrm>
+            <a:off x="4639056" y="0"/>
+            <a:ext cx="7552944" cy="6858000"/>
+          </a:xfrm>
+          <a:prstGeom prst="rect">
+            <a:avLst/>
+          </a:prstGeom>
+          <a:solidFill>
+            <a:srgbClr val="FFFFFF"/>
+          </a:solidFill>
+          <a:ln>
+            <a:noFill/>
+          </a:ln>
+        </p:spPr>
+        <p:style>
+          <a:lnRef idx="2">
+            <a:schemeClr val="accent1">
+              <a:shade val="50000"/>
+            </a:schemeClr>
+          </a:lnRef>
+          <a:fillRef idx="1">
+            <a:schemeClr val="accent1"/>
+          </a:fillRef>
+          <a:effectRef idx="0">
+            <a:schemeClr val="accent1"/>
+          </a:effectRef>
+          <a:fontRef idx="minor">
+            <a:schemeClr val="lt1"/>
+          </a:fontRef>
+        </p:style>
+        <p:txBody>
+          <a:bodyPr rtlCol="0" anchor="ctr"/>
+          <a:lstStyle/>
+          <a:p>
+            <a:pPr algn="ctr"/>
+            <a:endParaRPr lang="en-US"/>
+          </a:p>
+        </p:txBody>
+      </p:sp>
+      <p:sp>
+        <p:nvSpPr>
+          <p:cNvPr id="54" name="Rectangle 41"/>
+          <p:cNvSpPr>
+            <a:spLocks noGrp="1" noRot="1" noChangeAspect="1" noMove="1" noResize="1" noEditPoints="1" noAdjustHandles="1" noChangeArrowheads="1" noChangeShapeType="1" noTextEdit="1"/>
+          </p:cNvSpPr>
+          <p:nvPr>
+            <p:extLst>
+              <p:ext uri="{386F3935-93C4-4BCD-93E2-E3B085C9AB24}">
+                <p16:designElem xmlns:p16="http://schemas.microsoft.com/office/powerpoint/2015/main" val="1"/>
+              </p:ext>
+            </p:extLst>
+          </p:nvPr>
+        </p:nvSpPr>
+        <p:spPr>
+          <a:xfrm>
+            <a:off x="10437812" y="0"/>
+            <a:ext cx="685800" cy="1143000"/>
+          </a:xfrm>
+          <a:prstGeom prst="rect">
+            <a:avLst/>
+          </a:prstGeom>
+          <a:solidFill>
+            <a:schemeClr val="accent1"/>
+          </a:solidFill>
+          <a:ln>
+            <a:noFill/>
+          </a:ln>
+        </p:spPr>
+        <p:style>
+          <a:lnRef idx="1">
+            <a:schemeClr val="accent1"/>
+          </a:lnRef>
+          <a:fillRef idx="3">
+            <a:schemeClr val="accent1"/>
+          </a:fillRef>
+          <a:effectRef idx="2">
+            <a:schemeClr val="accent1"/>
+          </a:effectRef>
+          <a:fontRef idx="minor">
+            <a:schemeClr val="lt1"/>
+          </a:fontRef>
+        </p:style>
+      </p:sp>
+      <p:sp>
+        <p:nvSpPr>
+          <p:cNvPr id="55" name="Freeform 23"/>
+          <p:cNvSpPr>
+            <a:spLocks noGrp="1" noRot="1" noChangeAspect="1" noMove="1" noResize="1" noEditPoints="1" noAdjustHandles="1" noChangeArrowheads="1" noChangeShapeType="1" noTextEdit="1"/>
+          </p:cNvSpPr>
+          <p:nvPr>
+            <p:extLst>
+              <p:ext uri="{386F3935-93C4-4BCD-93E2-E3B085C9AB24}">
+                <p16:designElem xmlns:p16="http://schemas.microsoft.com/office/powerpoint/2015/main" val="1"/>
+              </p:ext>
+            </p:extLst>
+          </p:nvPr>
+        </p:nvSpPr>
+        <p:spPr>
+          <a:xfrm>
+            <a:off x="3948110" y="-1"/>
+            <a:ext cx="559472" cy="3709642"/>
+          </a:xfrm>
+          <a:custGeom>
+            <a:avLst/>
+            <a:gdLst>
+              <a:gd name="connsiteX0" fmla="*/ 0 w 559472"/>
+              <a:gd name="connsiteY0" fmla="*/ 0 h 3709642"/>
+              <a:gd name="connsiteX1" fmla="*/ 473952 w 559472"/>
+              <a:gd name="connsiteY1" fmla="*/ 0 h 3709642"/>
+              <a:gd name="connsiteX2" fmla="*/ 485840 w 559472"/>
+              <a:gd name="connsiteY2" fmla="*/ 161194 h 3709642"/>
+              <a:gd name="connsiteX3" fmla="*/ 523949 w 559472"/>
+              <a:gd name="connsiteY3" fmla="*/ 3672197 h 3709642"/>
+              <a:gd name="connsiteX4" fmla="*/ 454748 w 559472"/>
+              <a:gd name="connsiteY4" fmla="*/ 3709642 h 3709642"/>
+              <a:gd name="connsiteX5" fmla="*/ 448224 w 559472"/>
+              <a:gd name="connsiteY5" fmla="*/ 3510471 h 3709642"/>
+              <a:gd name="connsiteX6" fmla="*/ 443564 w 559472"/>
+              <a:gd name="connsiteY6" fmla="*/ 3408563 h 3709642"/>
+              <a:gd name="connsiteX7" fmla="*/ 438902 w 559472"/>
+              <a:gd name="connsiteY7" fmla="*/ 3304407 h 3709642"/>
+              <a:gd name="connsiteX8" fmla="*/ 433941 w 559472"/>
+              <a:gd name="connsiteY8" fmla="*/ 3198777 h 3709642"/>
+              <a:gd name="connsiteX9" fmla="*/ 427584 w 559472"/>
+              <a:gd name="connsiteY9" fmla="*/ 3092510 h 3709642"/>
+              <a:gd name="connsiteX10" fmla="*/ 420988 w 559472"/>
+              <a:gd name="connsiteY10" fmla="*/ 2984390 h 3709642"/>
+              <a:gd name="connsiteX11" fmla="*/ 414330 w 559472"/>
+              <a:gd name="connsiteY11" fmla="*/ 2874401 h 3709642"/>
+              <a:gd name="connsiteX12" fmla="*/ 406840 w 559472"/>
+              <a:gd name="connsiteY12" fmla="*/ 2762980 h 3709642"/>
+              <a:gd name="connsiteX13" fmla="*/ 397745 w 559472"/>
+              <a:gd name="connsiteY13" fmla="*/ 2650566 h 3709642"/>
+              <a:gd name="connsiteX14" fmla="*/ 389154 w 559472"/>
+              <a:gd name="connsiteY14" fmla="*/ 2536612 h 3709642"/>
+              <a:gd name="connsiteX15" fmla="*/ 379225 w 559472"/>
+              <a:gd name="connsiteY15" fmla="*/ 2421642 h 3709642"/>
+              <a:gd name="connsiteX16" fmla="*/ 368316 w 559472"/>
+              <a:gd name="connsiteY16" fmla="*/ 2305627 h 3709642"/>
+              <a:gd name="connsiteX17" fmla="*/ 357466 w 559472"/>
+              <a:gd name="connsiteY17" fmla="*/ 2189233 h 3709642"/>
+              <a:gd name="connsiteX18" fmla="*/ 344982 w 559472"/>
+              <a:gd name="connsiteY18" fmla="*/ 2071473 h 3709642"/>
+              <a:gd name="connsiteX19" fmla="*/ 332466 w 559472"/>
+              <a:gd name="connsiteY19" fmla="*/ 1952216 h 3709642"/>
+              <a:gd name="connsiteX20" fmla="*/ 319121 w 559472"/>
+              <a:gd name="connsiteY20" fmla="*/ 1833776 h 3709642"/>
+              <a:gd name="connsiteX21" fmla="*/ 304408 w 559472"/>
+              <a:gd name="connsiteY21" fmla="*/ 1713948 h 3709642"/>
+              <a:gd name="connsiteX22" fmla="*/ 288685 w 559472"/>
+              <a:gd name="connsiteY22" fmla="*/ 1592703 h 3709642"/>
+              <a:gd name="connsiteX23" fmla="*/ 273050 w 559472"/>
+              <a:gd name="connsiteY23" fmla="*/ 1471451 h 3709642"/>
+              <a:gd name="connsiteX24" fmla="*/ 255813 w 559472"/>
+              <a:gd name="connsiteY24" fmla="*/ 1350328 h 3709642"/>
+              <a:gd name="connsiteX25" fmla="*/ 237060 w 559472"/>
+              <a:gd name="connsiteY25" fmla="*/ 1227080 h 3709642"/>
+              <a:gd name="connsiteX26" fmla="*/ 218488 w 559472"/>
+              <a:gd name="connsiteY26" fmla="*/ 1106065 h 3709642"/>
+              <a:gd name="connsiteX27" fmla="*/ 198221 w 559472"/>
+              <a:gd name="connsiteY27" fmla="*/ 982940 h 3709642"/>
+              <a:gd name="connsiteX28" fmla="*/ 177152 w 559472"/>
+              <a:gd name="connsiteY28" fmla="*/ 858755 h 3709642"/>
+              <a:gd name="connsiteX29" fmla="*/ 155551 w 559472"/>
+              <a:gd name="connsiteY29" fmla="*/ 736861 h 3709642"/>
+              <a:gd name="connsiteX30" fmla="*/ 131782 w 559472"/>
+              <a:gd name="connsiteY30" fmla="*/ 613645 h 3709642"/>
+              <a:gd name="connsiteX31" fmla="*/ 107123 w 559472"/>
+              <a:gd name="connsiteY31" fmla="*/ 490500 h 3709642"/>
+              <a:gd name="connsiteX32" fmla="*/ 82552 w 559472"/>
+              <a:gd name="connsiteY32" fmla="*/ 367348 h 3709642"/>
+              <a:gd name="connsiteX33" fmla="*/ 55608 w 559472"/>
+              <a:gd name="connsiteY33" fmla="*/ 244762 h 3709642"/>
+              <a:gd name="connsiteX34" fmla="*/ 28130 w 559472"/>
+              <a:gd name="connsiteY34" fmla="*/ 122220 h 3709642"/>
+              <a:gd name="connsiteX35" fmla="*/ 0 w 559472"/>
+              <a:gd name="connsiteY35" fmla="*/ 0 h 3709642"/>
+            </a:gdLst>
+            <a:ahLst/>
+            <a:cxnLst>
+              <a:cxn ang="0">
+                <a:pos x="connsiteX0" y="connsiteY0"/>
+              </a:cxn>
+              <a:cxn ang="0">
+                <a:pos x="connsiteX1" y="connsiteY1"/>
+              </a:cxn>
+              <a:cxn ang="0">
+                <a:pos x="connsiteX2" y="connsiteY2"/>
+              </a:cxn>
+              <a:cxn ang="0">
+                <a:pos x="connsiteX3" y="connsiteY3"/>
+              </a:cxn>
+              <a:cxn ang="0">
+                <a:pos x="connsiteX4" y="connsiteY4"/>
+              </a:cxn>
+              <a:cxn ang="0">
+                <a:pos x="connsiteX5" y="connsiteY5"/>
+              </a:cxn>
+              <a:cxn ang="0">
+                <a:pos x="connsiteX6" y="connsiteY6"/>
+              </a:cxn>
+              <a:cxn ang="0">
+                <a:pos x="connsiteX7" y="connsiteY7"/>
+              </a:cxn>
+              <a:cxn ang="0">
+                <a:pos x="connsiteX8" y="connsiteY8"/>
+              </a:cxn>
+              <a:cxn ang="0">
+                <a:pos x="connsiteX9" y="connsiteY9"/>
+              </a:cxn>
+              <a:cxn ang="0">
+                <a:pos x="connsiteX10" y="connsiteY10"/>
+              </a:cxn>
+              <a:cxn ang="0">
+                <a:pos x="connsiteX11" y="connsiteY11"/>
+              </a:cxn>
+              <a:cxn ang="0">
+                <a:pos x="connsiteX12" y="connsiteY12"/>
+              </a:cxn>
+              <a:cxn ang="0">
+                <a:pos x="connsiteX13" y="connsiteY13"/>
+              </a:cxn>
+              <a:cxn ang="0">
+                <a:pos x="connsiteX14" y="connsiteY14"/>
+              </a:cxn>
+              <a:cxn ang="0">
+                <a:pos x="connsiteX15" y="connsiteY15"/>
+              </a:cxn>
+              <a:cxn ang="0">
+                <a:pos x="connsiteX16" y="connsiteY16"/>
+              </a:cxn>
+              <a:cxn ang="0">
+                <a:pos x="connsiteX17" y="connsiteY17"/>
+              </a:cxn>
+              <a:cxn ang="0">
+                <a:pos x="connsiteX18" y="connsiteY18"/>
+              </a:cxn>
+              <a:cxn ang="0">
+                <a:pos x="connsiteX19" y="connsiteY19"/>
+              </a:cxn>
+              <a:cxn ang="0">
+                <a:pos x="connsiteX20" y="connsiteY20"/>
+              </a:cxn>
+              <a:cxn ang="0">
+                <a:pos x="connsiteX21" y="connsiteY21"/>
+              </a:cxn>
+              <a:cxn ang="0">
+                <a:pos x="connsiteX22" y="connsiteY22"/>
+              </a:cxn>
+              <a:cxn ang="0">
+                <a:pos x="connsiteX23" y="connsiteY23"/>
+              </a:cxn>
+              <a:cxn ang="0">
+                <a:pos x="connsiteX24" y="connsiteY24"/>
+              </a:cxn>
+              <a:cxn ang="0">
+                <a:pos x="connsiteX25" y="connsiteY25"/>
+              </a:cxn>
+              <a:cxn ang="0">
+                <a:pos x="connsiteX26" y="connsiteY26"/>
+              </a:cxn>
+              <a:cxn ang="0">
+                <a:pos x="connsiteX27" y="connsiteY27"/>
+              </a:cxn>
+              <a:cxn ang="0">
+                <a:pos x="connsiteX28" y="connsiteY28"/>
+              </a:cxn>
+              <a:cxn ang="0">
+                <a:pos x="connsiteX29" y="connsiteY29"/>
+              </a:cxn>
+              <a:cxn ang="0">
+                <a:pos x="connsiteX30" y="connsiteY30"/>
+              </a:cxn>
+              <a:cxn ang="0">
+                <a:pos x="connsiteX31" y="connsiteY31"/>
+              </a:cxn>
+              <a:cxn ang="0">
+                <a:pos x="connsiteX32" y="connsiteY32"/>
+              </a:cxn>
+              <a:cxn ang="0">
+                <a:pos x="connsiteX33" y="connsiteY33"/>
+              </a:cxn>
+              <a:cxn ang="0">
+                <a:pos x="connsiteX34" y="connsiteY34"/>
+              </a:cxn>
+              <a:cxn ang="0">
+                <a:pos x="connsiteX35" y="connsiteY35"/>
+              </a:cxn>
+            </a:cxnLst>
+            <a:rect l="l" t="t" r="r" b="b"/>
+            <a:pathLst>
+              <a:path w="559472" h="3709642">
+                <a:moveTo>
+                  <a:pt x="0" y="0"/>
+                </a:moveTo>
+                <a:lnTo>
+                  <a:pt x="473952" y="0"/>
+                </a:lnTo>
+                <a:lnTo>
+                  <a:pt x="485840" y="161194"/>
+                </a:lnTo>
+                <a:cubicBezTo>
+                  <a:pt x="552063" y="1147770"/>
+                  <a:pt x="592441" y="3086737"/>
+                  <a:pt x="523949" y="3672197"/>
+                </a:cubicBezTo>
+                <a:cubicBezTo>
+                  <a:pt x="500842" y="3684557"/>
+                  <a:pt x="477855" y="3697282"/>
+                  <a:pt x="454748" y="3709642"/>
+                </a:cubicBezTo>
+                <a:lnTo>
+                  <a:pt x="448224" y="3510471"/>
+                </a:lnTo>
+                <a:lnTo>
+                  <a:pt x="443564" y="3408563"/>
+                </a:lnTo>
+                <a:lnTo>
+                  <a:pt x="438902" y="3304407"/>
+                </a:lnTo>
+                <a:lnTo>
+                  <a:pt x="433941" y="3198777"/>
+                </a:lnTo>
+                <a:lnTo>
+                  <a:pt x="427584" y="3092510"/>
+                </a:lnTo>
+                <a:lnTo>
+                  <a:pt x="420988" y="2984390"/>
+                </a:lnTo>
+                <a:lnTo>
+                  <a:pt x="414330" y="2874401"/>
+                </a:lnTo>
+                <a:lnTo>
+                  <a:pt x="406840" y="2762980"/>
+                </a:lnTo>
+                <a:lnTo>
+                  <a:pt x="397745" y="2650566"/>
+                </a:lnTo>
+                <a:lnTo>
+                  <a:pt x="389154" y="2536612"/>
+                </a:lnTo>
+                <a:lnTo>
+                  <a:pt x="379225" y="2421642"/>
+                </a:lnTo>
+                <a:lnTo>
+                  <a:pt x="368316" y="2305627"/>
+                </a:lnTo>
+                <a:lnTo>
+                  <a:pt x="357466" y="2189233"/>
+                </a:lnTo>
+                <a:lnTo>
+                  <a:pt x="344982" y="2071473"/>
+                </a:lnTo>
+                <a:lnTo>
+                  <a:pt x="332466" y="1952216"/>
+                </a:lnTo>
+                <a:lnTo>
+                  <a:pt x="319121" y="1833776"/>
+                </a:lnTo>
+                <a:lnTo>
+                  <a:pt x="304408" y="1713948"/>
+                </a:lnTo>
+                <a:lnTo>
+                  <a:pt x="288685" y="1592703"/>
+                </a:lnTo>
+                <a:lnTo>
+                  <a:pt x="273050" y="1471451"/>
+                </a:lnTo>
+                <a:lnTo>
+                  <a:pt x="255813" y="1350328"/>
+                </a:lnTo>
+                <a:lnTo>
+                  <a:pt x="237060" y="1227080"/>
+                </a:lnTo>
+                <a:lnTo>
+                  <a:pt x="218488" y="1106065"/>
+                </a:lnTo>
+                <a:lnTo>
+                  <a:pt x="198221" y="982940"/>
+                </a:lnTo>
+                <a:lnTo>
+                  <a:pt x="177152" y="858755"/>
+                </a:lnTo>
+                <a:lnTo>
+                  <a:pt x="155551" y="736861"/>
+                </a:lnTo>
+                <a:lnTo>
+                  <a:pt x="131782" y="613645"/>
+                </a:lnTo>
+                <a:lnTo>
+                  <a:pt x="107123" y="490500"/>
+                </a:lnTo>
+                <a:lnTo>
+                  <a:pt x="82552" y="367348"/>
+                </a:lnTo>
+                <a:lnTo>
+                  <a:pt x="55608" y="244762"/>
+                </a:lnTo>
+                <a:lnTo>
+                  <a:pt x="28130" y="122220"/>
+                </a:lnTo>
+                <a:lnTo>
+                  <a:pt x="0" y="0"/>
+                </a:lnTo>
+                <a:close/>
+              </a:path>
+            </a:pathLst>
+          </a:custGeom>
+          <a:solidFill>
+            <a:schemeClr val="tx1">
+              <a:alpha val="20000"/>
+            </a:schemeClr>
+          </a:solidFill>
+          <a:ln>
+            <a:noFill/>
+          </a:ln>
+        </p:spPr>
+        <p:txBody>
+          <a:bodyPr rtlCol="0" anchor="ctr"/>
+          <a:lstStyle/>
+          <a:p>
+            <a:pPr algn="ctr"/>
+            <a:endParaRPr lang="en-US"/>
+          </a:p>
+        </p:txBody>
+      </p:sp>
+      <p:sp>
+        <p:nvSpPr>
+          <p:cNvPr id="56" name="Freeform 5"/>
+          <p:cNvSpPr>
+            <a:spLocks noGrp="1" noRot="1" noChangeAspect="1" noMove="1" noResize="1" noEditPoints="1" noAdjustHandles="1" noChangeArrowheads="1" noChangeShapeType="1" noTextEdit="1"/>
+          </p:cNvSpPr>
+          <p:nvPr>
+            <p:extLst>
+              <p:ext uri="{386F3935-93C4-4BCD-93E2-E3B085C9AB24}">
+                <p16:designElem xmlns:p16="http://schemas.microsoft.com/office/powerpoint/2015/main" val="1"/>
+              </p:ext>
+            </p:extLst>
+          </p:nvPr>
+        </p:nvSpPr>
+        <p:spPr bwMode="gray">
+          <a:xfrm rot="16200000">
+            <a:off x="1404667" y="2756642"/>
+            <a:ext cx="6858000" cy="1344715"/>
+          </a:xfrm>
+          <a:custGeom>
+            <a:avLst/>
+            <a:gdLst/>
+            <a:ahLst/>
+            <a:cxnLst/>
+            <a:rect l="l" t="t" r="r" b="b"/>
+            <a:pathLst>
+              <a:path w="10000" h="8000">
+                <a:moveTo>
+                  <a:pt x="0" y="0"/>
+                </a:moveTo>
+                <a:lnTo>
+                  <a:pt x="0" y="7970"/>
+                </a:lnTo>
+                <a:lnTo>
+                  <a:pt x="10000" y="8000"/>
+                </a:lnTo>
+                <a:lnTo>
+                  <a:pt x="10000" y="7"/>
+                </a:lnTo>
+                <a:lnTo>
+                  <a:pt x="10000" y="7"/>
+                </a:lnTo>
+                <a:lnTo>
+                  <a:pt x="9773" y="156"/>
+                </a:lnTo>
+                <a:lnTo>
+                  <a:pt x="9547" y="298"/>
+                </a:lnTo>
+                <a:lnTo>
+                  <a:pt x="9320" y="437"/>
+                </a:lnTo>
+                <a:lnTo>
+                  <a:pt x="9092" y="556"/>
+                </a:lnTo>
+                <a:lnTo>
+                  <a:pt x="8865" y="676"/>
+                </a:lnTo>
+                <a:lnTo>
+                  <a:pt x="8637" y="788"/>
+                </a:lnTo>
+                <a:lnTo>
+                  <a:pt x="8412" y="884"/>
+                </a:lnTo>
+                <a:lnTo>
+                  <a:pt x="8184" y="975"/>
+                </a:lnTo>
+                <a:lnTo>
+                  <a:pt x="7957" y="1058"/>
+                </a:lnTo>
+                <a:lnTo>
+                  <a:pt x="7734" y="1130"/>
+                </a:lnTo>
+                <a:lnTo>
+                  <a:pt x="7508" y="1202"/>
+                </a:lnTo>
+                <a:lnTo>
+                  <a:pt x="7285" y="1262"/>
+                </a:lnTo>
+                <a:lnTo>
+                  <a:pt x="7062" y="1309"/>
+                </a:lnTo>
+                <a:lnTo>
+                  <a:pt x="6840" y="1358"/>
+                </a:lnTo>
+                <a:lnTo>
+                  <a:pt x="6620" y="1399"/>
+                </a:lnTo>
+                <a:lnTo>
+                  <a:pt x="6402" y="1428"/>
+                </a:lnTo>
+                <a:lnTo>
+                  <a:pt x="6184" y="1453"/>
+                </a:lnTo>
+                <a:lnTo>
+                  <a:pt x="5968" y="1477"/>
+                </a:lnTo>
+                <a:lnTo>
+                  <a:pt x="5755" y="1488"/>
+                </a:lnTo>
+                <a:lnTo>
+                  <a:pt x="5542" y="1500"/>
+                </a:lnTo>
+                <a:lnTo>
+                  <a:pt x="5332" y="1506"/>
+                </a:lnTo>
+                <a:lnTo>
+                  <a:pt x="5124" y="1500"/>
+                </a:lnTo>
+                <a:lnTo>
+                  <a:pt x="4918" y="1500"/>
+                </a:lnTo>
+                <a:lnTo>
+                  <a:pt x="4714" y="1488"/>
+                </a:lnTo>
+                <a:lnTo>
+                  <a:pt x="4514" y="1470"/>
+                </a:lnTo>
+                <a:lnTo>
+                  <a:pt x="4316" y="1453"/>
+                </a:lnTo>
+                <a:lnTo>
+                  <a:pt x="4122" y="1434"/>
+                </a:lnTo>
+                <a:lnTo>
+                  <a:pt x="3929" y="1405"/>
+                </a:lnTo>
+                <a:lnTo>
+                  <a:pt x="3739" y="1374"/>
+                </a:lnTo>
+                <a:lnTo>
+                  <a:pt x="3553" y="1346"/>
+                </a:lnTo>
+                <a:lnTo>
+                  <a:pt x="3190" y="1267"/>
+                </a:lnTo>
+                <a:lnTo>
+                  <a:pt x="2842" y="1183"/>
+                </a:lnTo>
+                <a:lnTo>
+                  <a:pt x="2508" y="1095"/>
+                </a:lnTo>
+                <a:lnTo>
+                  <a:pt x="2192" y="998"/>
+                </a:lnTo>
+                <a:lnTo>
+                  <a:pt x="1890" y="897"/>
+                </a:lnTo>
+                <a:lnTo>
+                  <a:pt x="1610" y="788"/>
+                </a:lnTo>
+                <a:lnTo>
+                  <a:pt x="1347" y="681"/>
+                </a:lnTo>
+                <a:lnTo>
+                  <a:pt x="1105" y="574"/>
+                </a:lnTo>
+                <a:lnTo>
+                  <a:pt x="883" y="473"/>
+                </a:lnTo>
+                <a:lnTo>
+                  <a:pt x="686" y="377"/>
+                </a:lnTo>
+                <a:lnTo>
+                  <a:pt x="508" y="286"/>
+                </a:lnTo>
+                <a:lnTo>
+                  <a:pt x="358" y="210"/>
+                </a:lnTo>
+                <a:lnTo>
+                  <a:pt x="232" y="138"/>
+                </a:lnTo>
+                <a:lnTo>
+                  <a:pt x="59" y="35"/>
+                </a:lnTo>
+                <a:lnTo>
+                  <a:pt x="0" y="0"/>
+                </a:lnTo>
+                <a:lnTo>
+                  <a:pt x="0" y="0"/>
+                </a:lnTo>
+                <a:close/>
+              </a:path>
+            </a:pathLst>
+          </a:custGeom>
+          <a:solidFill>
+            <a:srgbClr val="FFFFFF"/>
+          </a:solidFill>
+          <a:ln>
+            <a:noFill/>
+          </a:ln>
+        </p:spPr>
+      </p:sp>
       <p:pic>
         <p:nvPicPr>
-          <p:cNvPr id="15" name="Tijdelijke aanduiding voor inhoud 14"/>
+          <p:cNvPr id="5" name="Afbeelding 4"/>
           <p:cNvPicPr>
-            <a:picLocks noGrp="1" noChangeAspect="1"/>
+            <a:picLocks noChangeAspect="1"/>
           </p:cNvPicPr>
-          <p:nvPr>
-            <p:ph sz="half" idx="2"/>
-          </p:nvPr>
+          <p:nvPr/>
         </p:nvPicPr>
-        <p:blipFill rotWithShape="1">
+        <p:blipFill>
           <a:blip r:embed="rId7">
             <a:extLst>
               <a:ext uri="{28A0092B-C50C-407E-A947-70E740481C1C}">
@@ -8120,26 +8587,54 @@
               </a:ext>
             </a:extLst>
           </a:blip>
-          <a:srcRect r="2238" b="1"/>
-          <a:stretch/>
+          <a:stretch>
+            <a:fillRect/>
+          </a:stretch>
         </p:blipFill>
         <p:spPr>
           <a:xfrm>
-            <a:off x="6091916" y="2052213"/>
-            <a:ext cx="5451627" cy="4196185"/>
+            <a:off x="5410883" y="1447799"/>
+            <a:ext cx="2423160" cy="4572001"/>
           </a:xfrm>
           <a:prstGeom prst="rect">
             <a:avLst/>
           </a:prstGeom>
-          <a:effectLst>
-            <a:outerShdw blurRad="50800" dist="38100" dir="5400000" algn="t" rotWithShape="0">
-              <a:prstClr val="black">
-                <a:alpha val="43000"/>
-              </a:prstClr>
-            </a:outerShdw>
-          </a:effectLst>
+          <a:effectLst/>
         </p:spPr>
       </p:pic>
+      <p:pic>
+        <p:nvPicPr>
+          <p:cNvPr id="8" name="Tijdelijke aanduiding voor inhoud 7"/>
+          <p:cNvPicPr>
+            <a:picLocks noGrp="1" noChangeAspect="1"/>
+          </p:cNvPicPr>
+          <p:nvPr>
+            <p:ph sz="half" idx="2"/>
+          </p:nvPr>
+        </p:nvPicPr>
+        <p:blipFill>
+          <a:blip r:embed="rId8">
+            <a:extLst>
+              <a:ext uri="{28A0092B-C50C-407E-A947-70E740481C1C}">
+                <a14:useLocalDpi xmlns:a14="http://schemas.microsoft.com/office/drawing/2010/main" val="0"/>
+              </a:ext>
+            </a:extLst>
+          </a:blip>
+          <a:stretch>
+            <a:fillRect/>
+          </a:stretch>
+        </p:blipFill>
+        <p:spPr>
+          <a:xfrm>
+            <a:off x="8394091" y="2624122"/>
+            <a:ext cx="3148022" cy="2219355"/>
+          </a:xfrm>
+          <a:prstGeom prst="rect">
+            <a:avLst/>
+          </a:prstGeom>
+          <a:effectLst/>
+        </p:spPr>
+      </p:pic>
       <p:sp>
         <p:nvSpPr>
           <p:cNvPr id="2" name="Titel 1"/>
@@ -8152,18 +8647,18 @@
         </p:nvSpPr>
         <p:spPr>
           <a:xfrm>
-            <a:off x="648930" y="629266"/>
-            <a:ext cx="9252154" cy="1223983"/>
-          </a:xfrm>
-        </p:spPr>
-        <p:txBody>
-          <a:bodyPr vert="horz" lIns="91440" tIns="45720" rIns="91440" bIns="45720" rtlCol="0" anchor="t">
+            <a:off x="646111" y="1447799"/>
+            <a:ext cx="3105075" cy="1444750"/>
+          </a:xfrm>
+        </p:spPr>
+        <p:txBody>
+          <a:bodyPr vert="horz" lIns="91440" tIns="45720" rIns="91440" bIns="45720" rtlCol="0" anchor="b">
             <a:normAutofit/>
           </a:bodyPr>
           <a:lstStyle/>
           <a:p>
             <a:r>
-              <a:rPr lang="en-US"/>
+              <a:rPr lang="en-US" sz="3200"/>
               <a:t>Wapens</a:t>
             </a:r>
           </a:p>
@@ -8181,8 +8676,8 @@
         </p:nvSpPr>
         <p:spPr>
           <a:xfrm>
-            <a:off x="1103311" y="2052214"/>
-            <a:ext cx="4338409" cy="4196185"/>
+            <a:off x="646111" y="3088493"/>
+            <a:ext cx="3104751" cy="2931307"/>
           </a:xfrm>
         </p:spPr>
         <p:txBody>
@@ -8192,8 +8687,8 @@
           <a:lstStyle/>
           <a:p>
             <a:r>
-              <a:rPr lang="en-US"/>
-              <a:t>Yorick</a:t>
+              <a:rPr lang="en-US" sz="1600"/>
+              <a:t>Thomas</a:t>
             </a:r>
           </a:p>
         </p:txBody>
@@ -8201,7 +8696,7 @@
     </p:spTree>
     <p:extLst>
       <p:ext uri="{BB962C8B-B14F-4D97-AF65-F5344CB8AC3E}">
-        <p14:creationId xmlns:p14="http://schemas.microsoft.com/office/powerpoint/2010/main" val="4002906439"/>
+        <p14:creationId xmlns:p14="http://schemas.microsoft.com/office/powerpoint/2010/main" val="2943433658"/>
       </p:ext>
     </p:extLst>
   </p:cSld>
@@ -8230,7 +8725,7 @@
       </p:grpSpPr>
       <p:sp>
         <p:nvSpPr>
-          <p:cNvPr id="34" name="Rectangle 33"/>
+          <p:cNvPr id="17" name="Rectangle 16"/>
           <p:cNvSpPr>
             <a:spLocks noGrp="1" noRot="1" noChangeAspect="1" noMove="1" noResize="1" noEditPoints="1" noAdjustHandles="1" noChangeArrowheads="1" noChangeShapeType="1" noTextEdit="1"/>
           </p:cNvSpPr>
@@ -8277,7 +8772,7 @@
       </p:sp>
       <p:pic>
         <p:nvPicPr>
-          <p:cNvPr id="35" name="Picture 34"/>
+          <p:cNvPr id="18" name="Picture 17"/>
           <p:cNvPicPr>
             <a:picLocks noGrp="1" noRot="1" noChangeAspect="1" noMove="1" noResize="1" noEditPoints="1" noAdjustHandles="1" noChangeArrowheads="1" noChangeShapeType="1" noCrop="1"/>
           </p:cNvPicPr>
@@ -8312,7 +8807,7 @@
       </p:pic>
       <p:pic>
         <p:nvPicPr>
-          <p:cNvPr id="36" name="Picture 35"/>
+          <p:cNvPr id="19" name="Picture 18"/>
           <p:cNvPicPr>
             <a:picLocks noGrp="1" noRot="1" noChangeAspect="1" noMove="1" noResize="1" noEditPoints="1" noAdjustHandles="1" noChangeArrowheads="1" noChangeShapeType="1" noCrop="1"/>
           </p:cNvPicPr>
@@ -8347,7 +8842,7 @@
       </p:pic>
       <p:sp>
         <p:nvSpPr>
-          <p:cNvPr id="37" name="Oval 36"/>
+          <p:cNvPr id="20" name="Oval 19"/>
           <p:cNvSpPr>
             <a:spLocks noGrp="1" noRot="1" noChangeAspect="1" noMove="1" noResize="1" noEditPoints="1" noAdjustHandles="1" noChangeArrowheads="1" noChangeShapeType="1" noTextEdit="1"/>
           </p:cNvSpPr>
@@ -8418,6 +8913,434 @@
       </p:sp>
       <p:pic>
         <p:nvPicPr>
+          <p:cNvPr id="21" name="Picture 20"/>
+          <p:cNvPicPr>
+            <a:picLocks noGrp="1" noRot="1" noChangeAspect="1" noMove="1" noResize="1" noEditPoints="1" noAdjustHandles="1" noChangeArrowheads="1" noChangeShapeType="1" noCrop="1"/>
+          </p:cNvPicPr>
+          <p:nvPr>
+            <p:extLst>
+              <p:ext uri="{386F3935-93C4-4BCD-93E2-E3B085C9AB24}">
+                <p16:designElem xmlns:p16="http://schemas.microsoft.com/office/powerpoint/2015/main" val="1"/>
+              </p:ext>
+            </p:extLst>
+          </p:nvPr>
+        </p:nvPicPr>
+        <p:blipFill rotWithShape="1">
+          <a:blip r:embed="rId5">
+            <a:extLst>
+              <a:ext uri="{28A0092B-C50C-407E-A947-70E740481C1C}">
+                <a14:useLocalDpi xmlns:a14="http://schemas.microsoft.com/office/drawing/2010/main" val="0"/>
+              </a:ext>
+            </a:extLst>
+          </a:blip>
+          <a:srcRect t="28813"/>
+          <a:stretch/>
+        </p:blipFill>
+        <p:spPr>
+          <a:xfrm>
+            <a:off x="7999412" y="0"/>
+            <a:ext cx="1603387" cy="1141407"/>
+          </a:xfrm>
+          <a:prstGeom prst="rect">
+            <a:avLst/>
+          </a:prstGeom>
+        </p:spPr>
+      </p:pic>
+      <p:pic>
+        <p:nvPicPr>
+          <p:cNvPr id="22" name="Picture 21"/>
+          <p:cNvPicPr>
+            <a:picLocks noGrp="1" noRot="1" noChangeAspect="1" noMove="1" noResize="1" noEditPoints="1" noAdjustHandles="1" noChangeArrowheads="1" noChangeShapeType="1" noCrop="1"/>
+          </p:cNvPicPr>
+          <p:nvPr>
+            <p:extLst>
+              <p:ext uri="{386F3935-93C4-4BCD-93E2-E3B085C9AB24}">
+                <p16:designElem xmlns:p16="http://schemas.microsoft.com/office/powerpoint/2015/main" val="1"/>
+              </p:ext>
+            </p:extLst>
+          </p:nvPr>
+        </p:nvPicPr>
+        <p:blipFill rotWithShape="1">
+          <a:blip r:embed="rId6">
+            <a:extLst>
+              <a:ext uri="{28A0092B-C50C-407E-A947-70E740481C1C}">
+                <a14:useLocalDpi xmlns:a14="http://schemas.microsoft.com/office/drawing/2010/main" val="0"/>
+              </a:ext>
+            </a:extLst>
+          </a:blip>
+          <a:srcRect b="23320"/>
+          <a:stretch/>
+        </p:blipFill>
+        <p:spPr>
+          <a:xfrm>
+            <a:off x="8605878" y="6096000"/>
+            <a:ext cx="993734" cy="762000"/>
+          </a:xfrm>
+          <a:prstGeom prst="rect">
+            <a:avLst/>
+          </a:prstGeom>
+        </p:spPr>
+      </p:pic>
+      <p:sp>
+        <p:nvSpPr>
+          <p:cNvPr id="23" name="Rectangle 22"/>
+          <p:cNvSpPr>
+            <a:spLocks noGrp="1" noRot="1" noChangeAspect="1" noMove="1" noResize="1" noEditPoints="1" noAdjustHandles="1" noChangeArrowheads="1" noChangeShapeType="1" noTextEdit="1"/>
+          </p:cNvSpPr>
+          <p:nvPr>
+            <p:extLst>
+              <p:ext uri="{386F3935-93C4-4BCD-93E2-E3B085C9AB24}">
+                <p16:designElem xmlns:p16="http://schemas.microsoft.com/office/powerpoint/2015/main" val="1"/>
+              </p:ext>
+            </p:extLst>
+          </p:nvPr>
+        </p:nvSpPr>
+        <p:spPr>
+          <a:xfrm>
+            <a:off x="10437812" y="0"/>
+            <a:ext cx="685800" cy="1143000"/>
+          </a:xfrm>
+          <a:prstGeom prst="rect">
+            <a:avLst/>
+          </a:prstGeom>
+          <a:solidFill>
+            <a:schemeClr val="accent1"/>
+          </a:solidFill>
+          <a:ln>
+            <a:noFill/>
+          </a:ln>
+        </p:spPr>
+        <p:style>
+          <a:lnRef idx="1">
+            <a:schemeClr val="accent1"/>
+          </a:lnRef>
+          <a:fillRef idx="3">
+            <a:schemeClr val="accent1"/>
+          </a:fillRef>
+          <a:effectRef idx="2">
+            <a:schemeClr val="accent1"/>
+          </a:effectRef>
+          <a:fontRef idx="minor">
+            <a:schemeClr val="lt1"/>
+          </a:fontRef>
+        </p:style>
+      </p:sp>
+      <p:pic>
+        <p:nvPicPr>
+          <p:cNvPr id="15" name="Tijdelijke aanduiding voor inhoud 14"/>
+          <p:cNvPicPr>
+            <a:picLocks noGrp="1" noChangeAspect="1"/>
+          </p:cNvPicPr>
+          <p:nvPr>
+            <p:ph sz="half" idx="2"/>
+          </p:nvPr>
+        </p:nvPicPr>
+        <p:blipFill rotWithShape="1">
+          <a:blip r:embed="rId7">
+            <a:extLst>
+              <a:ext uri="{28A0092B-C50C-407E-A947-70E740481C1C}">
+                <a14:useLocalDpi xmlns:a14="http://schemas.microsoft.com/office/drawing/2010/main" val="0"/>
+              </a:ext>
+            </a:extLst>
+          </a:blip>
+          <a:srcRect r="2238" b="1"/>
+          <a:stretch/>
+        </p:blipFill>
+        <p:spPr>
+          <a:xfrm>
+            <a:off x="6091916" y="2052213"/>
+            <a:ext cx="5451627" cy="4196185"/>
+          </a:xfrm>
+          <a:prstGeom prst="rect">
+            <a:avLst/>
+          </a:prstGeom>
+          <a:effectLst>
+            <a:outerShdw blurRad="50800" dist="38100" dir="5400000" algn="t" rotWithShape="0">
+              <a:prstClr val="black">
+                <a:alpha val="43000"/>
+              </a:prstClr>
+            </a:outerShdw>
+          </a:effectLst>
+        </p:spPr>
+      </p:pic>
+      <p:sp>
+        <p:nvSpPr>
+          <p:cNvPr id="2" name="Titel 1"/>
+          <p:cNvSpPr>
+            <a:spLocks noGrp="1"/>
+          </p:cNvSpPr>
+          <p:nvPr>
+            <p:ph type="title"/>
+          </p:nvPr>
+        </p:nvSpPr>
+        <p:spPr>
+          <a:xfrm>
+            <a:off x="648930" y="629266"/>
+            <a:ext cx="9252154" cy="1223983"/>
+          </a:xfrm>
+        </p:spPr>
+        <p:txBody>
+          <a:bodyPr vert="horz" lIns="91440" tIns="45720" rIns="91440" bIns="45720" rtlCol="0" anchor="t">
+            <a:normAutofit/>
+          </a:bodyPr>
+          <a:lstStyle/>
+          <a:p>
+            <a:r>
+              <a:rPr lang="en-US"/>
+              <a:t>Wapens</a:t>
+            </a:r>
+          </a:p>
+        </p:txBody>
+      </p:sp>
+      <p:sp>
+        <p:nvSpPr>
+          <p:cNvPr id="3" name="Tijdelijke aanduiding voor inhoud 2"/>
+          <p:cNvSpPr>
+            <a:spLocks noGrp="1"/>
+          </p:cNvSpPr>
+          <p:nvPr>
+            <p:ph sz="half" idx="1"/>
+          </p:nvPr>
+        </p:nvSpPr>
+        <p:spPr>
+          <a:xfrm>
+            <a:off x="1103311" y="2052214"/>
+            <a:ext cx="4338409" cy="4196185"/>
+          </a:xfrm>
+        </p:spPr>
+        <p:txBody>
+          <a:bodyPr vert="horz" lIns="91440" tIns="45720" rIns="91440" bIns="45720" rtlCol="0">
+            <a:normAutofit/>
+          </a:bodyPr>
+          <a:lstStyle/>
+          <a:p>
+            <a:r>
+              <a:rPr lang="en-US"/>
+              <a:t>Yorick</a:t>
+            </a:r>
+          </a:p>
+        </p:txBody>
+      </p:sp>
+    </p:spTree>
+    <p:extLst>
+      <p:ext uri="{BB962C8B-B14F-4D97-AF65-F5344CB8AC3E}">
+        <p14:creationId xmlns:p14="http://schemas.microsoft.com/office/powerpoint/2010/main" val="4002906439"/>
+      </p:ext>
+    </p:extLst>
+  </p:cSld>
+  <p:clrMapOvr>
+    <a:masterClrMapping/>
+  </p:clrMapOvr>
+</p:sld>
+</file>
+
+<file path=ppt/slides/slide8.xml><?xml version="1.0" encoding="utf-8"?>
+<p:sld xmlns:a="http://schemas.openxmlformats.org/drawingml/2006/main" xmlns:r="http://schemas.openxmlformats.org/officeDocument/2006/relationships" xmlns:p="http://schemas.openxmlformats.org/presentationml/2006/main">
+  <p:cSld>
+    <p:spTree>
+      <p:nvGrpSpPr>
+        <p:cNvPr id="1" name=""/>
+        <p:cNvGrpSpPr/>
+        <p:nvPr/>
+      </p:nvGrpSpPr>
+      <p:grpSpPr>
+        <a:xfrm>
+          <a:off x="0" y="0"/>
+          <a:ext cx="0" cy="0"/>
+          <a:chOff x="0" y="0"/>
+          <a:chExt cx="0" cy="0"/>
+        </a:xfrm>
+      </p:grpSpPr>
+      <p:sp>
+        <p:nvSpPr>
+          <p:cNvPr id="34" name="Rectangle 33"/>
+          <p:cNvSpPr>
+            <a:spLocks noGrp="1" noRot="1" noChangeAspect="1" noMove="1" noResize="1" noEditPoints="1" noAdjustHandles="1" noChangeArrowheads="1" noChangeShapeType="1" noTextEdit="1"/>
+          </p:cNvSpPr>
+          <p:nvPr>
+            <p:extLst>
+              <p:ext uri="{386F3935-93C4-4BCD-93E2-E3B085C9AB24}">
+                <p16:designElem xmlns:p16="http://schemas.microsoft.com/office/powerpoint/2015/main" val="1"/>
+              </p:ext>
+            </p:extLst>
+          </p:nvPr>
+        </p:nvSpPr>
+        <p:spPr bwMode="white">
+          <a:xfrm>
+            <a:off x="0" y="0"/>
+            <a:ext cx="12192000" cy="6858000"/>
+          </a:xfrm>
+          <a:prstGeom prst="rect">
+            <a:avLst/>
+          </a:prstGeom>
+          <a:blipFill rotWithShape="1">
+            <a:blip r:embed="rId2">
+              <a:duotone>
+                <a:schemeClr val="bg2">
+                  <a:shade val="69000"/>
+                  <a:hueMod val="108000"/>
+                  <a:satMod val="164000"/>
+                  <a:lumMod val="74000"/>
+                </a:schemeClr>
+                <a:schemeClr val="bg2">
+                  <a:tint val="96000"/>
+                  <a:hueMod val="88000"/>
+                  <a:satMod val="140000"/>
+                  <a:lumMod val="132000"/>
+                </a:schemeClr>
+              </a:duotone>
+            </a:blip>
+            <a:stretch/>
+          </a:blipFill>
+          <a:ln>
+            <a:noFill/>
+          </a:ln>
+          <a:effectLst/>
+        </p:spPr>
+      </p:sp>
+      <p:pic>
+        <p:nvPicPr>
+          <p:cNvPr id="35" name="Picture 34"/>
+          <p:cNvPicPr>
+            <a:picLocks noGrp="1" noRot="1" noChangeAspect="1" noMove="1" noResize="1" noEditPoints="1" noAdjustHandles="1" noChangeArrowheads="1" noChangeShapeType="1" noCrop="1"/>
+          </p:cNvPicPr>
+          <p:nvPr>
+            <p:extLst>
+              <p:ext uri="{386F3935-93C4-4BCD-93E2-E3B085C9AB24}">
+                <p16:designElem xmlns:p16="http://schemas.microsoft.com/office/powerpoint/2015/main" val="1"/>
+              </p:ext>
+            </p:extLst>
+          </p:nvPr>
+        </p:nvPicPr>
+        <p:blipFill rotWithShape="1">
+          <a:blip r:embed="rId3">
+            <a:extLst>
+              <a:ext uri="{28A0092B-C50C-407E-A947-70E740481C1C}">
+                <a14:useLocalDpi xmlns:a14="http://schemas.microsoft.com/office/drawing/2010/main" val="0"/>
+              </a:ext>
+            </a:extLst>
+          </a:blip>
+          <a:srcRect l="3613"/>
+          <a:stretch/>
+        </p:blipFill>
+        <p:spPr>
+          <a:xfrm>
+            <a:off x="0" y="2669685"/>
+            <a:ext cx="4037012" cy="4188315"/>
+          </a:xfrm>
+          <a:prstGeom prst="rect">
+            <a:avLst/>
+          </a:prstGeom>
+        </p:spPr>
+      </p:pic>
+      <p:pic>
+        <p:nvPicPr>
+          <p:cNvPr id="36" name="Picture 35"/>
+          <p:cNvPicPr>
+            <a:picLocks noGrp="1" noRot="1" noChangeAspect="1" noMove="1" noResize="1" noEditPoints="1" noAdjustHandles="1" noChangeArrowheads="1" noChangeShapeType="1" noCrop="1"/>
+          </p:cNvPicPr>
+          <p:nvPr>
+            <p:extLst>
+              <p:ext uri="{386F3935-93C4-4BCD-93E2-E3B085C9AB24}">
+                <p16:designElem xmlns:p16="http://schemas.microsoft.com/office/powerpoint/2015/main" val="1"/>
+              </p:ext>
+            </p:extLst>
+          </p:nvPr>
+        </p:nvPicPr>
+        <p:blipFill rotWithShape="1">
+          <a:blip r:embed="rId4">
+            <a:extLst>
+              <a:ext uri="{28A0092B-C50C-407E-A947-70E740481C1C}">
+                <a14:useLocalDpi xmlns:a14="http://schemas.microsoft.com/office/drawing/2010/main" val="0"/>
+              </a:ext>
+            </a:extLst>
+          </a:blip>
+          <a:srcRect l="35640"/>
+          <a:stretch/>
+        </p:blipFill>
+        <p:spPr>
+          <a:xfrm>
+            <a:off x="0" y="2892347"/>
+            <a:ext cx="1522412" cy="2365453"/>
+          </a:xfrm>
+          <a:prstGeom prst="rect">
+            <a:avLst/>
+          </a:prstGeom>
+        </p:spPr>
+      </p:pic>
+      <p:sp>
+        <p:nvSpPr>
+          <p:cNvPr id="37" name="Oval 36"/>
+          <p:cNvSpPr>
+            <a:spLocks noGrp="1" noRot="1" noChangeAspect="1" noMove="1" noResize="1" noEditPoints="1" noAdjustHandles="1" noChangeArrowheads="1" noChangeShapeType="1" noTextEdit="1"/>
+          </p:cNvSpPr>
+          <p:nvPr>
+            <p:extLst>
+              <p:ext uri="{386F3935-93C4-4BCD-93E2-E3B085C9AB24}">
+                <p16:designElem xmlns:p16="http://schemas.microsoft.com/office/powerpoint/2015/main" val="1"/>
+              </p:ext>
+            </p:extLst>
+          </p:nvPr>
+        </p:nvSpPr>
+        <p:spPr>
+          <a:xfrm>
+            <a:off x="8609012" y="1676400"/>
+            <a:ext cx="2819400" cy="2819400"/>
+          </a:xfrm>
+          <a:prstGeom prst="ellipse">
+            <a:avLst/>
+          </a:prstGeom>
+          <a:gradFill flip="none" rotWithShape="1">
+            <a:gsLst>
+              <a:gs pos="0">
+                <a:schemeClr val="bg2">
+                  <a:lumMod val="60000"/>
+                  <a:lumOff val="40000"/>
+                  <a:alpha val="7000"/>
+                </a:schemeClr>
+              </a:gs>
+              <a:gs pos="69000">
+                <a:schemeClr val="bg2">
+                  <a:lumMod val="60000"/>
+                  <a:lumOff val="40000"/>
+                  <a:alpha val="0"/>
+                </a:schemeClr>
+              </a:gs>
+              <a:gs pos="36000">
+                <a:schemeClr val="bg2">
+                  <a:lumMod val="60000"/>
+                  <a:lumOff val="40000"/>
+                  <a:alpha val="6000"/>
+                </a:schemeClr>
+              </a:gs>
+            </a:gsLst>
+            <a:path path="circle">
+              <a:fillToRect l="50000" t="50000" r="50000" b="50000"/>
+            </a:path>
+            <a:tileRect/>
+          </a:gradFill>
+          <a:ln>
+            <a:noFill/>
+          </a:ln>
+          <a:effectLst/>
+        </p:spPr>
+        <p:style>
+          <a:lnRef idx="1">
+            <a:schemeClr val="accent1"/>
+          </a:lnRef>
+          <a:fillRef idx="3">
+            <a:schemeClr val="accent1"/>
+          </a:fillRef>
+          <a:effectRef idx="2">
+            <a:schemeClr val="accent1"/>
+          </a:effectRef>
+          <a:fontRef idx="minor">
+            <a:schemeClr val="lt1"/>
+          </a:fontRef>
+        </p:style>
+      </p:sp>
+      <p:pic>
+        <p:nvPicPr>
           <p:cNvPr id="38" name="Picture 37"/>
           <p:cNvPicPr>
             <a:picLocks noGrp="1" noRot="1" noChangeAspect="1" noMove="1" noResize="1" noEditPoints="1" noAdjustHandles="1" noChangeArrowheads="1" noChangeShapeType="1" noCrop="1"/>
@@ -8705,7 +9628,7 @@
 </p:sld>
 </file>
 
-<file path=ppt/slides/slide8.xml><?xml version="1.0" encoding="utf-8"?>
+<file path=ppt/slides/slide9.xml><?xml version="1.0" encoding="utf-8"?>
 <p:sld xmlns:a="http://schemas.openxmlformats.org/drawingml/2006/main" xmlns:r="http://schemas.openxmlformats.org/officeDocument/2006/relationships" xmlns:p="http://schemas.openxmlformats.org/presentationml/2006/main">
   <p:cSld>
     <p:spTree>
@@ -8880,179 +9803,6 @@
     <p:extLst>
       <p:ext uri="{BB962C8B-B14F-4D97-AF65-F5344CB8AC3E}">
         <p14:creationId xmlns:p14="http://schemas.microsoft.com/office/powerpoint/2010/main" val="519457632"/>
-      </p:ext>
-    </p:extLst>
-  </p:cSld>
-  <p:clrMapOvr>
-    <a:masterClrMapping/>
-  </p:clrMapOvr>
-</p:sld>
-</file>
-
-<file path=ppt/slides/slide9.xml><?xml version="1.0" encoding="utf-8"?>
-<p:sld xmlns:a="http://schemas.openxmlformats.org/drawingml/2006/main" xmlns:r="http://schemas.openxmlformats.org/officeDocument/2006/relationships" xmlns:p="http://schemas.openxmlformats.org/presentationml/2006/main">
-  <p:cSld>
-    <p:spTree>
-      <p:nvGrpSpPr>
-        <p:cNvPr id="1" name=""/>
-        <p:cNvGrpSpPr/>
-        <p:nvPr/>
-      </p:nvGrpSpPr>
-      <p:grpSpPr>
-        <a:xfrm>
-          <a:off x="0" y="0"/>
-          <a:ext cx="0" cy="0"/>
-          <a:chOff x="0" y="0"/>
-          <a:chExt cx="0" cy="0"/>
-        </a:xfrm>
-      </p:grpSpPr>
-      <p:pic>
-        <p:nvPicPr>
-          <p:cNvPr id="9" name="Tijdelijke aanduiding voor inhoud 6"/>
-          <p:cNvPicPr>
-            <a:picLocks noChangeAspect="1"/>
-          </p:cNvPicPr>
-          <p:nvPr/>
-        </p:nvPicPr>
-        <p:blipFill rotWithShape="1">
-          <a:blip r:embed="rId2"/>
-          <a:srcRect l="20360" r="17631"/>
-          <a:stretch/>
-        </p:blipFill>
-        <p:spPr>
-          <a:xfrm>
-            <a:off x="4634680" y="10"/>
-            <a:ext cx="7560130" cy="6857990"/>
-          </a:xfrm>
-          <a:prstGeom prst="rect">
-            <a:avLst/>
-          </a:prstGeom>
-        </p:spPr>
-      </p:pic>
-      <p:sp>
-        <p:nvSpPr>
-          <p:cNvPr id="14" name="Rectangle 13"/>
-          <p:cNvSpPr>
-            <a:spLocks noGrp="1" noRot="1" noChangeAspect="1" noMove="1" noResize="1" noEditPoints="1" noAdjustHandles="1" noChangeArrowheads="1" noChangeShapeType="1" noTextEdit="1"/>
-          </p:cNvSpPr>
-          <p:nvPr>
-            <p:extLst>
-              <p:ext uri="{386F3935-93C4-4BCD-93E2-E3B085C9AB24}">
-                <p16:designElem xmlns:p16="http://schemas.microsoft.com/office/powerpoint/2015/main" val="1"/>
-              </p:ext>
-            </p:extLst>
-          </p:nvPr>
-        </p:nvSpPr>
-        <p:spPr>
-          <a:xfrm>
-            <a:off x="10437812" y="0"/>
-            <a:ext cx="685800" cy="1143000"/>
-          </a:xfrm>
-          <a:prstGeom prst="rect">
-            <a:avLst/>
-          </a:prstGeom>
-          <a:solidFill>
-            <a:schemeClr val="accent1"/>
-          </a:solidFill>
-          <a:ln>
-            <a:noFill/>
-          </a:ln>
-        </p:spPr>
-        <p:style>
-          <a:lnRef idx="1">
-            <a:schemeClr val="accent1"/>
-          </a:lnRef>
-          <a:fillRef idx="3">
-            <a:schemeClr val="accent1"/>
-          </a:fillRef>
-          <a:effectRef idx="2">
-            <a:schemeClr val="accent1"/>
-          </a:effectRef>
-          <a:fontRef idx="minor">
-            <a:schemeClr val="lt1"/>
-          </a:fontRef>
-        </p:style>
-      </p:sp>
-      <p:sp>
-        <p:nvSpPr>
-          <p:cNvPr id="2" name="Titel 1"/>
-          <p:cNvSpPr>
-            <a:spLocks noGrp="1"/>
-          </p:cNvSpPr>
-          <p:nvPr>
-            <p:ph type="title"/>
-          </p:nvPr>
-        </p:nvSpPr>
-        <p:spPr>
-          <a:xfrm>
-            <a:off x="650669" y="629266"/>
-            <a:ext cx="3330328" cy="1641986"/>
-          </a:xfrm>
-        </p:spPr>
-        <p:txBody>
-          <a:bodyPr>
-            <a:normAutofit/>
-          </a:bodyPr>
-          <a:lstStyle/>
-          <a:p>
-            <a:r>
-              <a:rPr lang="nl-NL"/>
-              <a:t>Einde</a:t>
-            </a:r>
-            <a:endParaRPr lang="nl-NL" dirty="0"/>
-          </a:p>
-        </p:txBody>
-      </p:sp>
-      <p:sp>
-        <p:nvSpPr>
-          <p:cNvPr id="11" name="Content Placeholder 10"/>
-          <p:cNvSpPr>
-            <a:spLocks noGrp="1"/>
-          </p:cNvSpPr>
-          <p:nvPr>
-            <p:ph idx="1"/>
-          </p:nvPr>
-        </p:nvSpPr>
-        <p:spPr>
-          <a:xfrm>
-            <a:off x="650669" y="2438400"/>
-            <a:ext cx="3330328" cy="3809999"/>
-          </a:xfrm>
-        </p:spPr>
-        <p:txBody>
-          <a:bodyPr>
-            <a:normAutofit/>
-          </a:bodyPr>
-          <a:lstStyle/>
-          <a:p>
-            <a:r>
-              <a:rPr lang="en-US" dirty="0" err="1"/>
-              <a:t>Bedankt</a:t>
-            </a:r>
-            <a:r>
-              <a:rPr lang="en-US" dirty="0"/>
-              <a:t> </a:t>
-            </a:r>
-            <a:r>
-              <a:rPr lang="en-US" dirty="0" err="1"/>
-              <a:t>voor</a:t>
-            </a:r>
-            <a:r>
-              <a:rPr lang="en-US" dirty="0"/>
-              <a:t> het </a:t>
-            </a:r>
-            <a:r>
-              <a:rPr lang="en-US" dirty="0" err="1"/>
-              <a:t>luisteren</a:t>
-            </a:r>
-            <a:endParaRPr lang="en-US" dirty="0"/>
-          </a:p>
-        </p:txBody>
-      </p:sp>
-    </p:spTree>
-    <p:extLst>
-      <p:ext uri="{BB962C8B-B14F-4D97-AF65-F5344CB8AC3E}">
-        <p14:creationId xmlns:p14="http://schemas.microsoft.com/office/powerpoint/2010/main" val="708334349"/>
       </p:ext>
     </p:extLst>
   </p:cSld>
